--- a/mybatis/mybatis 之 SqlSession v1.0 (一).pptx
+++ b/mybatis/mybatis 之 SqlSession v1.0 (一).pptx
@@ -22,14 +22,16 @@
     <p:sldId id="412" r:id="rId14"/>
     <p:sldId id="413" r:id="rId15"/>
     <p:sldId id="414" r:id="rId17"/>
-    <p:sldId id="402" r:id="rId18"/>
-    <p:sldId id="314" r:id="rId19"/>
-    <p:sldId id="313" r:id="rId20"/>
-    <p:sldId id="316" r:id="rId21"/>
-    <p:sldId id="400" r:id="rId22"/>
-    <p:sldId id="399" r:id="rId23"/>
-    <p:sldId id="401" r:id="rId24"/>
-    <p:sldId id="318" r:id="rId25"/>
+    <p:sldId id="415" r:id="rId18"/>
+    <p:sldId id="416" r:id="rId19"/>
+    <p:sldId id="402" r:id="rId20"/>
+    <p:sldId id="314" r:id="rId21"/>
+    <p:sldId id="313" r:id="rId22"/>
+    <p:sldId id="316" r:id="rId23"/>
+    <p:sldId id="400" r:id="rId24"/>
+    <p:sldId id="399" r:id="rId25"/>
+    <p:sldId id="401" r:id="rId26"/>
+    <p:sldId id="318" r:id="rId27"/>
   </p:sldIdLst>
   <p:sldSz cx="12192000" cy="6858000"/>
   <p:notesSz cx="6858000" cy="9144000"/>
@@ -523,6 +525,94 @@
 </file>
 
 <file path=ppt/notesSlides/notesSlide2.xml><?xml version="1.0" encoding="utf-8"?>
+<p:notes xmlns:a="http://schemas.openxmlformats.org/drawingml/2006/main" xmlns:r="http://schemas.openxmlformats.org/officeDocument/2006/relationships" xmlns:p="http://schemas.openxmlformats.org/presentationml/2006/main">
+  <p:cSld>
+    <p:spTree>
+      <p:nvGrpSpPr>
+        <p:cNvPr id="1" name=""/>
+        <p:cNvGrpSpPr/>
+        <p:nvPr/>
+      </p:nvGrpSpPr>
+      <p:grpSpPr/>
+      <p:sp>
+        <p:nvSpPr>
+          <p:cNvPr id="2" name="幻灯片图像占位符 1"/>
+          <p:cNvSpPr/>
+          <p:nvPr>
+            <p:ph type="sldImg" idx="2"/>
+          </p:nvPr>
+        </p:nvSpPr>
+        <p:spPr/>
+      </p:sp>
+      <p:sp>
+        <p:nvSpPr>
+          <p:cNvPr id="3" name="文本占位符 2"/>
+          <p:cNvSpPr/>
+          <p:nvPr>
+            <p:ph type="body" idx="3"/>
+          </p:nvPr>
+        </p:nvSpPr>
+        <p:spPr/>
+        <p:txBody>
+          <a:bodyPr/>
+          <a:p>
+            <a:endParaRPr lang="zh-CN" altLang="en-US"/>
+          </a:p>
+        </p:txBody>
+      </p:sp>
+    </p:spTree>
+  </p:cSld>
+  <p:clrMapOvr>
+    <a:masterClrMapping/>
+  </p:clrMapOvr>
+</p:notes>
+</file>
+
+<file path=ppt/notesSlides/notesSlide3.xml><?xml version="1.0" encoding="utf-8"?>
+<p:notes xmlns:a="http://schemas.openxmlformats.org/drawingml/2006/main" xmlns:r="http://schemas.openxmlformats.org/officeDocument/2006/relationships" xmlns:p="http://schemas.openxmlformats.org/presentationml/2006/main">
+  <p:cSld>
+    <p:spTree>
+      <p:nvGrpSpPr>
+        <p:cNvPr id="1" name=""/>
+        <p:cNvGrpSpPr/>
+        <p:nvPr/>
+      </p:nvGrpSpPr>
+      <p:grpSpPr/>
+      <p:sp>
+        <p:nvSpPr>
+          <p:cNvPr id="2" name="幻灯片图像占位符 1"/>
+          <p:cNvSpPr/>
+          <p:nvPr>
+            <p:ph type="sldImg" idx="2"/>
+          </p:nvPr>
+        </p:nvSpPr>
+        <p:spPr/>
+      </p:sp>
+      <p:sp>
+        <p:nvSpPr>
+          <p:cNvPr id="3" name="文本占位符 2"/>
+          <p:cNvSpPr/>
+          <p:nvPr>
+            <p:ph type="body" idx="3"/>
+          </p:nvPr>
+        </p:nvSpPr>
+        <p:spPr/>
+        <p:txBody>
+          <a:bodyPr/>
+          <a:p>
+            <a:endParaRPr lang="zh-CN" altLang="en-US"/>
+          </a:p>
+        </p:txBody>
+      </p:sp>
+    </p:spTree>
+  </p:cSld>
+  <p:clrMapOvr>
+    <a:masterClrMapping/>
+  </p:clrMapOvr>
+</p:notes>
+</file>
+
+<file path=ppt/notesSlides/notesSlide4.xml><?xml version="1.0" encoding="utf-8"?>
 <p:notes xmlns:a="http://schemas.openxmlformats.org/drawingml/2006/main" xmlns:r="http://schemas.openxmlformats.org/officeDocument/2006/relationships" xmlns:p="http://schemas.openxmlformats.org/presentationml/2006/main">
   <p:cSld>
     <p:spTree>
@@ -11984,7 +12074,7 @@
               <a:rPr lang="en-US" altLang="zh-CN">
                 <a:sym typeface="+mn-ea"/>
               </a:rPr>
-              <a:t>objectFactory</a:t>
+              <a:t>environments</a:t>
             </a:r>
             <a:r>
               <a:rPr lang="zh-CN" altLang="en-US">
@@ -12814,6 +12904,1116 @@
 </file>
 
 <file path=ppt/slides/slide15.xml><?xml version="1.0" encoding="utf-8"?>
+<p:sld xmlns:a="http://schemas.openxmlformats.org/drawingml/2006/main" xmlns:r="http://schemas.openxmlformats.org/officeDocument/2006/relationships" xmlns:p="http://schemas.openxmlformats.org/presentationml/2006/main">
+  <p:cSld>
+    <p:spTree>
+      <p:nvGrpSpPr>
+        <p:cNvPr id="1" name=""/>
+        <p:cNvGrpSpPr/>
+        <p:nvPr/>
+      </p:nvGrpSpPr>
+      <p:grpSpPr/>
+      <p:sp>
+        <p:nvSpPr>
+          <p:cNvPr id="2" name="标题 1"/>
+          <p:cNvSpPr>
+            <a:spLocks noGrp="1"/>
+          </p:cNvSpPr>
+          <p:nvPr>
+            <p:ph type="title"/>
+          </p:nvPr>
+        </p:nvSpPr>
+        <p:spPr>
+          <a:xfrm>
+            <a:off x="1806575" y="607060"/>
+            <a:ext cx="8911590" cy="792480"/>
+          </a:xfrm>
+        </p:spPr>
+        <p:txBody>
+          <a:bodyPr>
+            <a:normAutofit fontScale="90000"/>
+          </a:bodyPr>
+          <a:p>
+            <a:r>
+              <a:rPr lang="en-US" altLang="zh-CN">
+                <a:sym typeface="+mn-ea"/>
+              </a:rPr>
+              <a:t>XMLConfigBuilder</a:t>
+            </a:r>
+            <a:r>
+              <a:rPr lang="zh-CN" altLang="en-US">
+                <a:sym typeface="+mn-ea"/>
+              </a:rPr>
+              <a:t>解析</a:t>
+            </a:r>
+            <a:r>
+              <a:rPr lang="en-US" altLang="zh-CN">
+                <a:sym typeface="+mn-ea"/>
+              </a:rPr>
+              <a:t>typeHandlers</a:t>
+            </a:r>
+            <a:r>
+              <a:rPr lang="zh-CN" altLang="en-US">
+                <a:sym typeface="+mn-ea"/>
+              </a:rPr>
+              <a:t>属性</a:t>
+            </a:r>
+            <a:endParaRPr lang="zh-CN" altLang="en-US">
+              <a:sym typeface="+mn-ea"/>
+            </a:endParaRPr>
+          </a:p>
+        </p:txBody>
+      </p:sp>
+      <p:sp>
+        <p:nvSpPr>
+          <p:cNvPr id="3" name="内容占位符 2"/>
+          <p:cNvSpPr>
+            <a:spLocks noGrp="1"/>
+          </p:cNvSpPr>
+          <p:nvPr>
+            <p:ph idx="1"/>
+          </p:nvPr>
+        </p:nvSpPr>
+        <p:spPr>
+          <a:xfrm>
+            <a:off x="936625" y="4192270"/>
+            <a:ext cx="4540885" cy="1481455"/>
+          </a:xfrm>
+        </p:spPr>
+        <p:txBody>
+          <a:bodyPr>
+            <a:normAutofit fontScale="60000"/>
+          </a:bodyPr>
+          <a:p>
+            <a:pPr marL="0" indent="0">
+              <a:buNone/>
+            </a:pPr>
+            <a:r>
+              <a:rPr lang="zh-CN" altLang="en-US"/>
+              <a:t>步骤</a:t>
+            </a:r>
+            <a:r>
+              <a:rPr lang="en-US" altLang="zh-CN"/>
+              <a:t>:</a:t>
+            </a:r>
+            <a:endParaRPr lang="en-US" altLang="zh-CN"/>
+          </a:p>
+          <a:p>
+            <a:pPr marL="0" indent="0">
+              <a:buNone/>
+            </a:pPr>
+            <a:r>
+              <a:rPr lang="en-US" altLang="zh-CN"/>
+              <a:t>1. </a:t>
+            </a:r>
+            <a:r>
+              <a:rPr lang="zh-CN" altLang="en-US"/>
+              <a:t>解析根元素的子元素</a:t>
+            </a:r>
+            <a:r>
+              <a:rPr lang="en-US" altLang="zh-CN">
+                <a:sym typeface="+mn-ea"/>
+              </a:rPr>
+              <a:t>typeHandlers</a:t>
+            </a:r>
+            <a:endParaRPr lang="zh-CN" altLang="en-US"/>
+          </a:p>
+          <a:p>
+            <a:pPr marL="0" indent="0">
+              <a:buNone/>
+            </a:pPr>
+            <a:r>
+              <a:rPr lang="en-US" altLang="zh-CN"/>
+              <a:t>2. </a:t>
+            </a:r>
+            <a:r>
+              <a:rPr lang="zh-CN" altLang="en-US"/>
+              <a:t>解析</a:t>
+            </a:r>
+            <a:r>
+              <a:rPr lang="en-US" altLang="zh-CN"/>
+              <a:t>package|typeHandler</a:t>
+            </a:r>
+            <a:r>
+              <a:rPr lang="zh-CN" altLang="en-US"/>
+              <a:t>子节点</a:t>
+            </a:r>
+            <a:r>
+              <a:rPr lang="en-US" altLang="zh-CN"/>
+              <a:t>, </a:t>
+            </a:r>
+            <a:r>
+              <a:rPr lang="zh-CN" altLang="en-US" b="1">
+                <a:solidFill>
+                  <a:srgbClr val="FF0000"/>
+                </a:solidFill>
+              </a:rPr>
+              <a:t>注</a:t>
+            </a:r>
+            <a:r>
+              <a:rPr lang="en-US" altLang="zh-CN" b="1">
+                <a:solidFill>
+                  <a:srgbClr val="FF0000"/>
+                </a:solidFill>
+              </a:rPr>
+              <a:t>: package</a:t>
+            </a:r>
+            <a:r>
+              <a:rPr lang="zh-CN" altLang="en-US" b="1">
+                <a:solidFill>
+                  <a:srgbClr val="FF0000"/>
+                </a:solidFill>
+              </a:rPr>
+              <a:t>和</a:t>
+            </a:r>
+            <a:r>
+              <a:rPr lang="en-US" altLang="zh-CN" b="1">
+                <a:solidFill>
+                  <a:srgbClr val="FF0000"/>
+                </a:solidFill>
+              </a:rPr>
+              <a:t>typehandler</a:t>
+            </a:r>
+            <a:r>
+              <a:rPr lang="zh-CN" altLang="en-US" b="1">
+                <a:solidFill>
+                  <a:srgbClr val="FF0000"/>
+                </a:solidFill>
+              </a:rPr>
+              <a:t>不能同时共存</a:t>
+            </a:r>
+            <a:endParaRPr lang="zh-CN" altLang="en-US" b="1">
+              <a:solidFill>
+                <a:srgbClr val="FF0000"/>
+              </a:solidFill>
+            </a:endParaRPr>
+          </a:p>
+          <a:p>
+            <a:pPr marL="0" indent="0">
+              <a:buNone/>
+            </a:pPr>
+            <a:r>
+              <a:rPr lang="en-US" altLang="zh-CN"/>
+              <a:t>3. </a:t>
+            </a:r>
+            <a:r>
+              <a:rPr lang="zh-CN" altLang="en-US"/>
+              <a:t>将解析后的信息存入</a:t>
+            </a:r>
+            <a:r>
+              <a:rPr lang="en-US" altLang="zh-CN"/>
+              <a:t>Configuration</a:t>
+            </a:r>
+            <a:r>
+              <a:rPr lang="zh-CN" altLang="en-US"/>
+              <a:t>中</a:t>
+            </a:r>
+            <a:endParaRPr lang="zh-CN" altLang="en-US"/>
+          </a:p>
+          <a:p>
+            <a:pPr marL="0" indent="0">
+              <a:buNone/>
+            </a:pPr>
+            <a:endParaRPr lang="zh-CN" altLang="en-US">
+              <a:sym typeface="+mn-ea"/>
+            </a:endParaRPr>
+          </a:p>
+        </p:txBody>
+      </p:sp>
+      <p:sp>
+        <p:nvSpPr>
+          <p:cNvPr id="6" name="内容占位符 2"/>
+          <p:cNvSpPr>
+            <a:spLocks noGrp="1"/>
+          </p:cNvSpPr>
+          <p:nvPr/>
+        </p:nvSpPr>
+        <p:spPr>
+          <a:xfrm>
+            <a:off x="932815" y="1399540"/>
+            <a:ext cx="4544695" cy="2222500"/>
+          </a:xfrm>
+          <a:prstGeom prst="rect">
+            <a:avLst/>
+          </a:prstGeom>
+        </p:spPr>
+        <p:txBody>
+          <a:bodyPr vert="horz" lIns="91440" tIns="45720" rIns="91440" bIns="45720" rtlCol="0">
+            <a:normAutofit lnSpcReduction="20000"/>
+          </a:bodyPr>
+          <a:lstStyle>
+            <a:lvl1pPr marL="342900" indent="-342900" algn="l" defTabSz="457200" rtl="0" eaLnBrk="1" latinLnBrk="0" hangingPunct="1">
+              <a:spcBef>
+                <a:spcPts val="1000"/>
+              </a:spcBef>
+              <a:spcAft>
+                <a:spcPts val="0"/>
+              </a:spcAft>
+              <a:buClr>
+                <a:schemeClr val="accent1"/>
+              </a:buClr>
+              <a:buFont typeface="Wingdings 3" charset="2"/>
+              <a:buChar char=""/>
+              <a:defRPr sz="1800" kern="1200">
+                <a:solidFill>
+                  <a:schemeClr val="tx1">
+                    <a:lumMod val="75000"/>
+                    <a:lumOff val="25000"/>
+                  </a:schemeClr>
+                </a:solidFill>
+                <a:latin typeface="+mn-lt"/>
+                <a:ea typeface="+mn-ea"/>
+                <a:cs typeface="+mn-cs"/>
+              </a:defRPr>
+            </a:lvl1pPr>
+            <a:lvl2pPr marL="742950" indent="-285750" algn="l" defTabSz="457200" rtl="0" eaLnBrk="1" latinLnBrk="0" hangingPunct="1">
+              <a:spcBef>
+                <a:spcPts val="1000"/>
+              </a:spcBef>
+              <a:spcAft>
+                <a:spcPts val="0"/>
+              </a:spcAft>
+              <a:buClr>
+                <a:schemeClr val="accent1"/>
+              </a:buClr>
+              <a:buFont typeface="Wingdings 3" charset="2"/>
+              <a:buChar char=""/>
+              <a:defRPr sz="1600" kern="1200">
+                <a:solidFill>
+                  <a:schemeClr val="tx1">
+                    <a:lumMod val="75000"/>
+                    <a:lumOff val="25000"/>
+                  </a:schemeClr>
+                </a:solidFill>
+                <a:latin typeface="+mn-lt"/>
+                <a:ea typeface="+mn-ea"/>
+                <a:cs typeface="+mn-cs"/>
+              </a:defRPr>
+            </a:lvl2pPr>
+            <a:lvl3pPr marL="1143000" indent="-228600" algn="l" defTabSz="457200" rtl="0" eaLnBrk="1" latinLnBrk="0" hangingPunct="1">
+              <a:spcBef>
+                <a:spcPts val="1000"/>
+              </a:spcBef>
+              <a:spcAft>
+                <a:spcPts val="0"/>
+              </a:spcAft>
+              <a:buClr>
+                <a:schemeClr val="accent1"/>
+              </a:buClr>
+              <a:buFont typeface="Wingdings 3" charset="2"/>
+              <a:buChar char=""/>
+              <a:defRPr sz="1400" kern="1200">
+                <a:solidFill>
+                  <a:schemeClr val="tx1">
+                    <a:lumMod val="75000"/>
+                    <a:lumOff val="25000"/>
+                  </a:schemeClr>
+                </a:solidFill>
+                <a:latin typeface="+mn-lt"/>
+                <a:ea typeface="+mn-ea"/>
+                <a:cs typeface="+mn-cs"/>
+              </a:defRPr>
+            </a:lvl3pPr>
+            <a:lvl4pPr marL="1600200" indent="-228600" algn="l" defTabSz="457200" rtl="0" eaLnBrk="1" latinLnBrk="0" hangingPunct="1">
+              <a:spcBef>
+                <a:spcPts val="1000"/>
+              </a:spcBef>
+              <a:spcAft>
+                <a:spcPts val="0"/>
+              </a:spcAft>
+              <a:buClr>
+                <a:schemeClr val="accent1"/>
+              </a:buClr>
+              <a:buFont typeface="Wingdings 3" charset="2"/>
+              <a:buChar char=""/>
+              <a:defRPr sz="1200" kern="1200">
+                <a:solidFill>
+                  <a:schemeClr val="tx1">
+                    <a:lumMod val="75000"/>
+                    <a:lumOff val="25000"/>
+                  </a:schemeClr>
+                </a:solidFill>
+                <a:latin typeface="+mn-lt"/>
+                <a:ea typeface="+mn-ea"/>
+                <a:cs typeface="+mn-cs"/>
+              </a:defRPr>
+            </a:lvl4pPr>
+            <a:lvl5pPr marL="2057400" indent="-228600" algn="l" defTabSz="457200" rtl="0" eaLnBrk="1" latinLnBrk="0" hangingPunct="1">
+              <a:spcBef>
+                <a:spcPts val="1000"/>
+              </a:spcBef>
+              <a:spcAft>
+                <a:spcPts val="0"/>
+              </a:spcAft>
+              <a:buClr>
+                <a:schemeClr val="accent1"/>
+              </a:buClr>
+              <a:buFont typeface="Wingdings 3" charset="2"/>
+              <a:buChar char=""/>
+              <a:defRPr sz="1200" kern="1200">
+                <a:solidFill>
+                  <a:schemeClr val="tx1">
+                    <a:lumMod val="75000"/>
+                    <a:lumOff val="25000"/>
+                  </a:schemeClr>
+                </a:solidFill>
+                <a:latin typeface="+mn-lt"/>
+                <a:ea typeface="+mn-ea"/>
+                <a:cs typeface="+mn-cs"/>
+              </a:defRPr>
+            </a:lvl5pPr>
+            <a:lvl6pPr marL="2514600" indent="-228600" algn="l" defTabSz="457200" rtl="0" eaLnBrk="1" latinLnBrk="0" hangingPunct="1">
+              <a:spcBef>
+                <a:spcPts val="1000"/>
+              </a:spcBef>
+              <a:spcAft>
+                <a:spcPts val="0"/>
+              </a:spcAft>
+              <a:buClr>
+                <a:schemeClr val="accent1"/>
+              </a:buClr>
+              <a:buFont typeface="Wingdings 3" charset="2"/>
+              <a:buChar char=""/>
+              <a:defRPr sz="1200" kern="1200">
+                <a:solidFill>
+                  <a:schemeClr val="tx1">
+                    <a:lumMod val="75000"/>
+                    <a:lumOff val="25000"/>
+                  </a:schemeClr>
+                </a:solidFill>
+                <a:latin typeface="+mn-lt"/>
+                <a:ea typeface="+mn-ea"/>
+                <a:cs typeface="+mn-cs"/>
+              </a:defRPr>
+            </a:lvl6pPr>
+            <a:lvl7pPr marL="2971800" indent="-228600" algn="l" defTabSz="457200" rtl="0" eaLnBrk="1" latinLnBrk="0" hangingPunct="1">
+              <a:spcBef>
+                <a:spcPts val="1000"/>
+              </a:spcBef>
+              <a:spcAft>
+                <a:spcPts val="0"/>
+              </a:spcAft>
+              <a:buClr>
+                <a:schemeClr val="accent1"/>
+              </a:buClr>
+              <a:buFont typeface="Wingdings 3" charset="2"/>
+              <a:buChar char=""/>
+              <a:defRPr sz="1200" kern="1200">
+                <a:solidFill>
+                  <a:schemeClr val="tx1">
+                    <a:lumMod val="75000"/>
+                    <a:lumOff val="25000"/>
+                  </a:schemeClr>
+                </a:solidFill>
+                <a:latin typeface="+mn-lt"/>
+                <a:ea typeface="+mn-ea"/>
+                <a:cs typeface="+mn-cs"/>
+              </a:defRPr>
+            </a:lvl7pPr>
+            <a:lvl8pPr marL="3429000" indent="-228600" algn="l" defTabSz="457200" rtl="0" eaLnBrk="1" latinLnBrk="0" hangingPunct="1">
+              <a:spcBef>
+                <a:spcPts val="1000"/>
+              </a:spcBef>
+              <a:spcAft>
+                <a:spcPts val="0"/>
+              </a:spcAft>
+              <a:buClr>
+                <a:schemeClr val="accent1"/>
+              </a:buClr>
+              <a:buFont typeface="Wingdings 3" charset="2"/>
+              <a:buChar char=""/>
+              <a:defRPr sz="1200" kern="1200">
+                <a:solidFill>
+                  <a:schemeClr val="tx1">
+                    <a:lumMod val="75000"/>
+                    <a:lumOff val="25000"/>
+                  </a:schemeClr>
+                </a:solidFill>
+                <a:latin typeface="+mn-lt"/>
+                <a:ea typeface="+mn-ea"/>
+                <a:cs typeface="+mn-cs"/>
+              </a:defRPr>
+            </a:lvl8pPr>
+            <a:lvl9pPr marL="3886200" indent="-228600" algn="l" defTabSz="457200" rtl="0" eaLnBrk="1" latinLnBrk="0" hangingPunct="1">
+              <a:spcBef>
+                <a:spcPts val="1000"/>
+              </a:spcBef>
+              <a:spcAft>
+                <a:spcPts val="0"/>
+              </a:spcAft>
+              <a:buClr>
+                <a:schemeClr val="accent1"/>
+              </a:buClr>
+              <a:buFont typeface="Wingdings 3" charset="2"/>
+              <a:buChar char=""/>
+              <a:defRPr sz="1200" kern="1200">
+                <a:solidFill>
+                  <a:schemeClr val="tx1">
+                    <a:lumMod val="75000"/>
+                    <a:lumOff val="25000"/>
+                  </a:schemeClr>
+                </a:solidFill>
+                <a:latin typeface="+mn-lt"/>
+                <a:ea typeface="+mn-ea"/>
+                <a:cs typeface="+mn-cs"/>
+              </a:defRPr>
+            </a:lvl9pPr>
+          </a:lstStyle>
+          <a:p>
+            <a:pPr marL="0" indent="0">
+              <a:buNone/>
+            </a:pPr>
+            <a:r>
+              <a:rPr lang="zh-CN" altLang="en-US" sz="1200"/>
+              <a:t>配置信息</a:t>
+            </a:r>
+            <a:r>
+              <a:rPr lang="en-US" altLang="zh-CN" sz="1200"/>
+              <a:t>:</a:t>
+            </a:r>
+            <a:endParaRPr lang="en-US" altLang="zh-CN"/>
+          </a:p>
+          <a:p>
+            <a:pPr marL="0" indent="0">
+              <a:buNone/>
+            </a:pPr>
+            <a:r>
+              <a:rPr lang="en-US" altLang="zh-CN" sz="1200"/>
+              <a:t>&lt;typeHandlers&gt;</a:t>
+            </a:r>
+            <a:endParaRPr lang="en-US" altLang="zh-CN" sz="1200"/>
+          </a:p>
+          <a:p>
+            <a:pPr marL="0" indent="0">
+              <a:buNone/>
+            </a:pPr>
+            <a:r>
+              <a:rPr lang="en-US" altLang="zh-CN" sz="1200"/>
+              <a:t>    &lt;package name="org.apache.ibatis.builder.CustomStringTypeHandler" /&gt;</a:t>
+            </a:r>
+            <a:endParaRPr lang="en-US" altLang="zh-CN" sz="1200"/>
+          </a:p>
+          <a:p>
+            <a:pPr marL="0" indent="0">
+              <a:buNone/>
+            </a:pPr>
+            <a:r>
+              <a:rPr lang="en-US" altLang="zh-CN" sz="1200"/>
+              <a:t>    &lt;typeHandler javaType="String" jdbcType="VARCHAR" handler="org.apache.ibatis.builder.CustomStringTypeHandler"/&gt;</a:t>
+            </a:r>
+            <a:endParaRPr lang="en-US" altLang="zh-CN" sz="1200"/>
+          </a:p>
+          <a:p>
+            <a:pPr marL="0" indent="0">
+              <a:buNone/>
+            </a:pPr>
+            <a:r>
+              <a:rPr lang="en-US" altLang="zh-CN" sz="1200"/>
+              <a:t>  &lt;/typeHandlers&gt;</a:t>
+            </a:r>
+            <a:endParaRPr lang="en-US" altLang="zh-CN" sz="1200"/>
+          </a:p>
+          <a:p>
+            <a:pPr marL="0" indent="0">
+              <a:buNone/>
+            </a:pPr>
+            <a:endParaRPr lang="zh-CN" altLang="en-US">
+              <a:sym typeface="+mn-ea"/>
+            </a:endParaRPr>
+          </a:p>
+        </p:txBody>
+      </p:sp>
+      <p:pic>
+        <p:nvPicPr>
+          <p:cNvPr id="5" name="图片 4"/>
+          <p:cNvPicPr>
+            <a:picLocks noChangeAspect="1"/>
+          </p:cNvPicPr>
+          <p:nvPr/>
+        </p:nvPicPr>
+        <p:blipFill>
+          <a:blip r:embed="rId1"/>
+          <a:stretch>
+            <a:fillRect/>
+          </a:stretch>
+        </p:blipFill>
+        <p:spPr>
+          <a:xfrm>
+            <a:off x="5654675" y="1188085"/>
+            <a:ext cx="6131560" cy="5167630"/>
+          </a:xfrm>
+          <a:prstGeom prst="rect">
+            <a:avLst/>
+          </a:prstGeom>
+        </p:spPr>
+      </p:pic>
+    </p:spTree>
+  </p:cSld>
+  <p:clrMapOvr>
+    <a:masterClrMapping/>
+  </p:clrMapOvr>
+</p:sld>
+</file>
+
+<file path=ppt/slides/slide16.xml><?xml version="1.0" encoding="utf-8"?>
+<p:sld xmlns:a="http://schemas.openxmlformats.org/drawingml/2006/main" xmlns:r="http://schemas.openxmlformats.org/officeDocument/2006/relationships" xmlns:p="http://schemas.openxmlformats.org/presentationml/2006/main">
+  <p:cSld>
+    <p:spTree>
+      <p:nvGrpSpPr>
+        <p:cNvPr id="1" name=""/>
+        <p:cNvGrpSpPr/>
+        <p:nvPr/>
+      </p:nvGrpSpPr>
+      <p:grpSpPr/>
+      <p:sp>
+        <p:nvSpPr>
+          <p:cNvPr id="2" name="标题 1"/>
+          <p:cNvSpPr>
+            <a:spLocks noGrp="1"/>
+          </p:cNvSpPr>
+          <p:nvPr>
+            <p:ph type="title"/>
+          </p:nvPr>
+        </p:nvSpPr>
+        <p:spPr>
+          <a:xfrm>
+            <a:off x="1806575" y="607060"/>
+            <a:ext cx="8911590" cy="792480"/>
+          </a:xfrm>
+        </p:spPr>
+        <p:txBody>
+          <a:bodyPr>
+            <a:normAutofit/>
+          </a:bodyPr>
+          <a:p>
+            <a:r>
+              <a:rPr lang="en-US" altLang="zh-CN">
+                <a:sym typeface="+mn-ea"/>
+              </a:rPr>
+              <a:t>XMLConfigBuilder</a:t>
+            </a:r>
+            <a:r>
+              <a:rPr lang="zh-CN" altLang="en-US">
+                <a:sym typeface="+mn-ea"/>
+              </a:rPr>
+              <a:t>解析</a:t>
+            </a:r>
+            <a:r>
+              <a:rPr lang="en-US" altLang="zh-CN">
+                <a:sym typeface="+mn-ea"/>
+              </a:rPr>
+              <a:t>mappers</a:t>
+            </a:r>
+            <a:r>
+              <a:rPr lang="zh-CN" altLang="en-US">
+                <a:sym typeface="+mn-ea"/>
+              </a:rPr>
+              <a:t>属性</a:t>
+            </a:r>
+            <a:endParaRPr lang="zh-CN" altLang="en-US">
+              <a:sym typeface="+mn-ea"/>
+            </a:endParaRPr>
+          </a:p>
+        </p:txBody>
+      </p:sp>
+      <p:sp>
+        <p:nvSpPr>
+          <p:cNvPr id="3" name="内容占位符 2"/>
+          <p:cNvSpPr>
+            <a:spLocks noGrp="1"/>
+          </p:cNvSpPr>
+          <p:nvPr>
+            <p:ph idx="1"/>
+          </p:nvPr>
+        </p:nvSpPr>
+        <p:spPr>
+          <a:xfrm>
+            <a:off x="936625" y="4192270"/>
+            <a:ext cx="4736465" cy="1481455"/>
+          </a:xfrm>
+        </p:spPr>
+        <p:txBody>
+          <a:bodyPr>
+            <a:normAutofit fontScale="60000"/>
+          </a:bodyPr>
+          <a:p>
+            <a:pPr marL="0" indent="0">
+              <a:buNone/>
+            </a:pPr>
+            <a:r>
+              <a:rPr lang="zh-CN" altLang="en-US"/>
+              <a:t>步骤</a:t>
+            </a:r>
+            <a:r>
+              <a:rPr lang="en-US" altLang="zh-CN"/>
+              <a:t>:</a:t>
+            </a:r>
+            <a:endParaRPr lang="en-US" altLang="zh-CN"/>
+          </a:p>
+          <a:p>
+            <a:pPr marL="0" indent="0">
+              <a:buNone/>
+            </a:pPr>
+            <a:r>
+              <a:rPr lang="en-US" altLang="zh-CN"/>
+              <a:t>1. </a:t>
+            </a:r>
+            <a:r>
+              <a:rPr lang="zh-CN" altLang="en-US"/>
+              <a:t>解析根元素的子元素</a:t>
+            </a:r>
+            <a:r>
+              <a:rPr lang="en-US" altLang="zh-CN">
+                <a:sym typeface="+mn-ea"/>
+              </a:rPr>
+              <a:t>mappers</a:t>
+            </a:r>
+            <a:endParaRPr lang="zh-CN" altLang="en-US"/>
+          </a:p>
+          <a:p>
+            <a:pPr marL="0" indent="0">
+              <a:buNone/>
+            </a:pPr>
+            <a:r>
+              <a:rPr lang="en-US" altLang="zh-CN"/>
+              <a:t>2. </a:t>
+            </a:r>
+            <a:r>
+              <a:rPr lang="zh-CN" altLang="en-US"/>
+              <a:t>解析</a:t>
+            </a:r>
+            <a:r>
+              <a:rPr lang="en-US" altLang="zh-CN"/>
+              <a:t>package|</a:t>
+            </a:r>
+            <a:r>
+              <a:rPr lang="en-US" altLang="zh-CN">
+                <a:sym typeface="+mn-ea"/>
+              </a:rPr>
+              <a:t>mapper</a:t>
+            </a:r>
+            <a:r>
+              <a:rPr lang="zh-CN" altLang="en-US"/>
+              <a:t>子节点</a:t>
+            </a:r>
+            <a:endParaRPr lang="zh-CN" altLang="en-US"/>
+          </a:p>
+          <a:p>
+            <a:pPr marL="0" indent="0">
+              <a:buNone/>
+            </a:pPr>
+            <a:r>
+              <a:rPr lang="en-US" altLang="zh-CN"/>
+              <a:t>3. </a:t>
+            </a:r>
+            <a:r>
+              <a:rPr lang="zh-CN" altLang="en-US"/>
+              <a:t>通过</a:t>
+            </a:r>
+            <a:r>
+              <a:rPr lang="en-US" altLang="zh-CN"/>
+              <a:t>MapperConfigBuilder</a:t>
+            </a:r>
+            <a:r>
+              <a:rPr lang="zh-CN" altLang="en-US"/>
+              <a:t>类的</a:t>
+            </a:r>
+            <a:r>
+              <a:rPr lang="en-US" altLang="zh-CN"/>
+              <a:t>parse</a:t>
+            </a:r>
+            <a:r>
+              <a:rPr lang="zh-CN" altLang="en-US"/>
+              <a:t>方法解析</a:t>
+            </a:r>
+            <a:r>
+              <a:rPr lang="en-US" altLang="zh-CN"/>
+              <a:t>mapper</a:t>
+            </a:r>
+            <a:r>
+              <a:rPr lang="zh-CN" altLang="en-US"/>
+              <a:t>引入的文件</a:t>
+            </a:r>
+            <a:endParaRPr lang="zh-CN" altLang="en-US"/>
+          </a:p>
+          <a:p>
+            <a:pPr marL="0" indent="0">
+              <a:buNone/>
+            </a:pPr>
+            <a:r>
+              <a:rPr lang="en-US" altLang="zh-CN">
+                <a:sym typeface="+mn-ea"/>
+              </a:rPr>
+              <a:t>4. </a:t>
+            </a:r>
+            <a:r>
+              <a:rPr lang="zh-CN" altLang="en-US">
+                <a:sym typeface="+mn-ea"/>
+              </a:rPr>
+              <a:t>将解析后的信息存入</a:t>
+            </a:r>
+            <a:r>
+              <a:rPr lang="en-US" altLang="zh-CN">
+                <a:sym typeface="+mn-ea"/>
+              </a:rPr>
+              <a:t>Configuration</a:t>
+            </a:r>
+            <a:r>
+              <a:rPr lang="zh-CN" altLang="en-US">
+                <a:sym typeface="+mn-ea"/>
+              </a:rPr>
+              <a:t>中</a:t>
+            </a:r>
+            <a:endParaRPr lang="zh-CN" altLang="en-US"/>
+          </a:p>
+        </p:txBody>
+      </p:sp>
+      <p:sp>
+        <p:nvSpPr>
+          <p:cNvPr id="6" name="内容占位符 2"/>
+          <p:cNvSpPr>
+            <a:spLocks noGrp="1"/>
+          </p:cNvSpPr>
+          <p:nvPr/>
+        </p:nvSpPr>
+        <p:spPr>
+          <a:xfrm>
+            <a:off x="932815" y="1399540"/>
+            <a:ext cx="4544695" cy="2222500"/>
+          </a:xfrm>
+          <a:prstGeom prst="rect">
+            <a:avLst/>
+          </a:prstGeom>
+        </p:spPr>
+        <p:txBody>
+          <a:bodyPr vert="horz" lIns="91440" tIns="45720" rIns="91440" bIns="45720" rtlCol="0">
+            <a:normAutofit fontScale="80000"/>
+          </a:bodyPr>
+          <a:lstStyle>
+            <a:lvl1pPr marL="342900" indent="-342900" algn="l" defTabSz="457200" rtl="0" eaLnBrk="1" latinLnBrk="0" hangingPunct="1">
+              <a:spcBef>
+                <a:spcPts val="1000"/>
+              </a:spcBef>
+              <a:spcAft>
+                <a:spcPts val="0"/>
+              </a:spcAft>
+              <a:buClr>
+                <a:schemeClr val="accent1"/>
+              </a:buClr>
+              <a:buFont typeface="Wingdings 3" charset="2"/>
+              <a:buChar char=""/>
+              <a:defRPr sz="1800" kern="1200">
+                <a:solidFill>
+                  <a:schemeClr val="tx1">
+                    <a:lumMod val="75000"/>
+                    <a:lumOff val="25000"/>
+                  </a:schemeClr>
+                </a:solidFill>
+                <a:latin typeface="+mn-lt"/>
+                <a:ea typeface="+mn-ea"/>
+                <a:cs typeface="+mn-cs"/>
+              </a:defRPr>
+            </a:lvl1pPr>
+            <a:lvl2pPr marL="742950" indent="-285750" algn="l" defTabSz="457200" rtl="0" eaLnBrk="1" latinLnBrk="0" hangingPunct="1">
+              <a:spcBef>
+                <a:spcPts val="1000"/>
+              </a:spcBef>
+              <a:spcAft>
+                <a:spcPts val="0"/>
+              </a:spcAft>
+              <a:buClr>
+                <a:schemeClr val="accent1"/>
+              </a:buClr>
+              <a:buFont typeface="Wingdings 3" charset="2"/>
+              <a:buChar char=""/>
+              <a:defRPr sz="1600" kern="1200">
+                <a:solidFill>
+                  <a:schemeClr val="tx1">
+                    <a:lumMod val="75000"/>
+                    <a:lumOff val="25000"/>
+                  </a:schemeClr>
+                </a:solidFill>
+                <a:latin typeface="+mn-lt"/>
+                <a:ea typeface="+mn-ea"/>
+                <a:cs typeface="+mn-cs"/>
+              </a:defRPr>
+            </a:lvl2pPr>
+            <a:lvl3pPr marL="1143000" indent="-228600" algn="l" defTabSz="457200" rtl="0" eaLnBrk="1" latinLnBrk="0" hangingPunct="1">
+              <a:spcBef>
+                <a:spcPts val="1000"/>
+              </a:spcBef>
+              <a:spcAft>
+                <a:spcPts val="0"/>
+              </a:spcAft>
+              <a:buClr>
+                <a:schemeClr val="accent1"/>
+              </a:buClr>
+              <a:buFont typeface="Wingdings 3" charset="2"/>
+              <a:buChar char=""/>
+              <a:defRPr sz="1400" kern="1200">
+                <a:solidFill>
+                  <a:schemeClr val="tx1">
+                    <a:lumMod val="75000"/>
+                    <a:lumOff val="25000"/>
+                  </a:schemeClr>
+                </a:solidFill>
+                <a:latin typeface="+mn-lt"/>
+                <a:ea typeface="+mn-ea"/>
+                <a:cs typeface="+mn-cs"/>
+              </a:defRPr>
+            </a:lvl3pPr>
+            <a:lvl4pPr marL="1600200" indent="-228600" algn="l" defTabSz="457200" rtl="0" eaLnBrk="1" latinLnBrk="0" hangingPunct="1">
+              <a:spcBef>
+                <a:spcPts val="1000"/>
+              </a:spcBef>
+              <a:spcAft>
+                <a:spcPts val="0"/>
+              </a:spcAft>
+              <a:buClr>
+                <a:schemeClr val="accent1"/>
+              </a:buClr>
+              <a:buFont typeface="Wingdings 3" charset="2"/>
+              <a:buChar char=""/>
+              <a:defRPr sz="1200" kern="1200">
+                <a:solidFill>
+                  <a:schemeClr val="tx1">
+                    <a:lumMod val="75000"/>
+                    <a:lumOff val="25000"/>
+                  </a:schemeClr>
+                </a:solidFill>
+                <a:latin typeface="+mn-lt"/>
+                <a:ea typeface="+mn-ea"/>
+                <a:cs typeface="+mn-cs"/>
+              </a:defRPr>
+            </a:lvl4pPr>
+            <a:lvl5pPr marL="2057400" indent="-228600" algn="l" defTabSz="457200" rtl="0" eaLnBrk="1" latinLnBrk="0" hangingPunct="1">
+              <a:spcBef>
+                <a:spcPts val="1000"/>
+              </a:spcBef>
+              <a:spcAft>
+                <a:spcPts val="0"/>
+              </a:spcAft>
+              <a:buClr>
+                <a:schemeClr val="accent1"/>
+              </a:buClr>
+              <a:buFont typeface="Wingdings 3" charset="2"/>
+              <a:buChar char=""/>
+              <a:defRPr sz="1200" kern="1200">
+                <a:solidFill>
+                  <a:schemeClr val="tx1">
+                    <a:lumMod val="75000"/>
+                    <a:lumOff val="25000"/>
+                  </a:schemeClr>
+                </a:solidFill>
+                <a:latin typeface="+mn-lt"/>
+                <a:ea typeface="+mn-ea"/>
+                <a:cs typeface="+mn-cs"/>
+              </a:defRPr>
+            </a:lvl5pPr>
+            <a:lvl6pPr marL="2514600" indent="-228600" algn="l" defTabSz="457200" rtl="0" eaLnBrk="1" latinLnBrk="0" hangingPunct="1">
+              <a:spcBef>
+                <a:spcPts val="1000"/>
+              </a:spcBef>
+              <a:spcAft>
+                <a:spcPts val="0"/>
+              </a:spcAft>
+              <a:buClr>
+                <a:schemeClr val="accent1"/>
+              </a:buClr>
+              <a:buFont typeface="Wingdings 3" charset="2"/>
+              <a:buChar char=""/>
+              <a:defRPr sz="1200" kern="1200">
+                <a:solidFill>
+                  <a:schemeClr val="tx1">
+                    <a:lumMod val="75000"/>
+                    <a:lumOff val="25000"/>
+                  </a:schemeClr>
+                </a:solidFill>
+                <a:latin typeface="+mn-lt"/>
+                <a:ea typeface="+mn-ea"/>
+                <a:cs typeface="+mn-cs"/>
+              </a:defRPr>
+            </a:lvl6pPr>
+            <a:lvl7pPr marL="2971800" indent="-228600" algn="l" defTabSz="457200" rtl="0" eaLnBrk="1" latinLnBrk="0" hangingPunct="1">
+              <a:spcBef>
+                <a:spcPts val="1000"/>
+              </a:spcBef>
+              <a:spcAft>
+                <a:spcPts val="0"/>
+              </a:spcAft>
+              <a:buClr>
+                <a:schemeClr val="accent1"/>
+              </a:buClr>
+              <a:buFont typeface="Wingdings 3" charset="2"/>
+              <a:buChar char=""/>
+              <a:defRPr sz="1200" kern="1200">
+                <a:solidFill>
+                  <a:schemeClr val="tx1">
+                    <a:lumMod val="75000"/>
+                    <a:lumOff val="25000"/>
+                  </a:schemeClr>
+                </a:solidFill>
+                <a:latin typeface="+mn-lt"/>
+                <a:ea typeface="+mn-ea"/>
+                <a:cs typeface="+mn-cs"/>
+              </a:defRPr>
+            </a:lvl7pPr>
+            <a:lvl8pPr marL="3429000" indent="-228600" algn="l" defTabSz="457200" rtl="0" eaLnBrk="1" latinLnBrk="0" hangingPunct="1">
+              <a:spcBef>
+                <a:spcPts val="1000"/>
+              </a:spcBef>
+              <a:spcAft>
+                <a:spcPts val="0"/>
+              </a:spcAft>
+              <a:buClr>
+                <a:schemeClr val="accent1"/>
+              </a:buClr>
+              <a:buFont typeface="Wingdings 3" charset="2"/>
+              <a:buChar char=""/>
+              <a:defRPr sz="1200" kern="1200">
+                <a:solidFill>
+                  <a:schemeClr val="tx1">
+                    <a:lumMod val="75000"/>
+                    <a:lumOff val="25000"/>
+                  </a:schemeClr>
+                </a:solidFill>
+                <a:latin typeface="+mn-lt"/>
+                <a:ea typeface="+mn-ea"/>
+                <a:cs typeface="+mn-cs"/>
+              </a:defRPr>
+            </a:lvl8pPr>
+            <a:lvl9pPr marL="3886200" indent="-228600" algn="l" defTabSz="457200" rtl="0" eaLnBrk="1" latinLnBrk="0" hangingPunct="1">
+              <a:spcBef>
+                <a:spcPts val="1000"/>
+              </a:spcBef>
+              <a:spcAft>
+                <a:spcPts val="0"/>
+              </a:spcAft>
+              <a:buClr>
+                <a:schemeClr val="accent1"/>
+              </a:buClr>
+              <a:buFont typeface="Wingdings 3" charset="2"/>
+              <a:buChar char=""/>
+              <a:defRPr sz="1200" kern="1200">
+                <a:solidFill>
+                  <a:schemeClr val="tx1">
+                    <a:lumMod val="75000"/>
+                    <a:lumOff val="25000"/>
+                  </a:schemeClr>
+                </a:solidFill>
+                <a:latin typeface="+mn-lt"/>
+                <a:ea typeface="+mn-ea"/>
+                <a:cs typeface="+mn-cs"/>
+              </a:defRPr>
+            </a:lvl9pPr>
+          </a:lstStyle>
+          <a:p>
+            <a:pPr marL="0" indent="0">
+              <a:buNone/>
+            </a:pPr>
+            <a:r>
+              <a:rPr lang="zh-CN" altLang="en-US" sz="1200"/>
+              <a:t>配置信息</a:t>
+            </a:r>
+            <a:r>
+              <a:rPr lang="en-US" altLang="zh-CN" sz="1200"/>
+              <a:t>:</a:t>
+            </a:r>
+            <a:endParaRPr lang="en-US" altLang="zh-CN"/>
+          </a:p>
+          <a:p>
+            <a:pPr marL="0" indent="0">
+              <a:buNone/>
+            </a:pPr>
+            <a:r>
+              <a:rPr lang="en-US" altLang="zh-CN" sz="1200"/>
+              <a:t> &lt;mappers&gt;</a:t>
+            </a:r>
+            <a:endParaRPr lang="en-US" altLang="zh-CN" sz="1200"/>
+          </a:p>
+          <a:p>
+            <a:pPr marL="0" indent="0">
+              <a:buNone/>
+            </a:pPr>
+            <a:r>
+              <a:rPr lang="en-US" altLang="zh-CN" sz="1200"/>
+              <a:t>    &lt;mapper resource="org/apache/ibatis/builder/AuthorMapper.xml"/&gt;</a:t>
+            </a:r>
+            <a:endParaRPr lang="en-US" altLang="zh-CN" sz="1200"/>
+          </a:p>
+          <a:p>
+            <a:pPr marL="0" indent="0">
+              <a:buNone/>
+            </a:pPr>
+            <a:r>
+              <a:rPr lang="en-US" altLang="zh-CN" sz="1200"/>
+              <a:t>    &lt;mapper resource="org/apache/ibatis/builder/BlogMapper.xml"/&gt;</a:t>
+            </a:r>
+            <a:endParaRPr lang="en-US" altLang="zh-CN" sz="1200"/>
+          </a:p>
+          <a:p>
+            <a:pPr marL="0" indent="0">
+              <a:buNone/>
+            </a:pPr>
+            <a:r>
+              <a:rPr lang="en-US" altLang="zh-CN" sz="1200"/>
+              <a:t>    &lt;package name="org/apache/ibatis/builder/NestedBlogMapper.xml" /&gt;</a:t>
+            </a:r>
+            <a:endParaRPr lang="en-US" altLang="zh-CN" sz="1200"/>
+          </a:p>
+          <a:p>
+            <a:pPr marL="0" indent="0">
+              <a:buNone/>
+            </a:pPr>
+            <a:r>
+              <a:rPr lang="en-US" altLang="zh-CN" sz="1200"/>
+              <a:t>  &lt;/mappers&gt;</a:t>
+            </a:r>
+            <a:endParaRPr lang="en-US" altLang="zh-CN" sz="1200"/>
+          </a:p>
+          <a:p>
+            <a:pPr marL="0" indent="0">
+              <a:buNone/>
+            </a:pPr>
+            <a:endParaRPr lang="zh-CN" altLang="en-US">
+              <a:sym typeface="+mn-ea"/>
+            </a:endParaRPr>
+          </a:p>
+        </p:txBody>
+      </p:sp>
+      <p:pic>
+        <p:nvPicPr>
+          <p:cNvPr id="4" name="图片 3"/>
+          <p:cNvPicPr>
+            <a:picLocks noChangeAspect="1"/>
+          </p:cNvPicPr>
+          <p:nvPr/>
+        </p:nvPicPr>
+        <p:blipFill>
+          <a:blip r:embed="rId1"/>
+          <a:stretch>
+            <a:fillRect/>
+          </a:stretch>
+        </p:blipFill>
+        <p:spPr>
+          <a:xfrm>
+            <a:off x="5477510" y="1142365"/>
+            <a:ext cx="6534785" cy="5349240"/>
+          </a:xfrm>
+          <a:prstGeom prst="rect">
+            <a:avLst/>
+          </a:prstGeom>
+        </p:spPr>
+      </p:pic>
+    </p:spTree>
+  </p:cSld>
+  <p:clrMapOvr>
+    <a:masterClrMapping/>
+  </p:clrMapOvr>
+</p:sld>
+</file>
+
+<file path=ppt/slides/slide17.xml><?xml version="1.0" encoding="utf-8"?>
 <p:sld xmlns:a="http://schemas.openxmlformats.org/drawingml/2006/main" xmlns:r="http://schemas.openxmlformats.org/officeDocument/2006/relationships" xmlns:p="http://schemas.openxmlformats.org/presentationml/2006/main">
   <p:cSld>
     <p:spTree>
@@ -13521,7 +14721,7 @@
 </p:sld>
 </file>
 
-<file path=ppt/slides/slide16.xml><?xml version="1.0" encoding="utf-8"?>
+<file path=ppt/slides/slide18.xml><?xml version="1.0" encoding="utf-8"?>
 <p:sld xmlns:a="http://schemas.openxmlformats.org/drawingml/2006/main" xmlns:r="http://schemas.openxmlformats.org/officeDocument/2006/relationships" xmlns:p="http://schemas.openxmlformats.org/presentationml/2006/main">
   <p:cSld>
     <p:spTree>
@@ -14008,7 +15208,7 @@
 </p:sld>
 </file>
 
-<file path=ppt/slides/slide17.xml><?xml version="1.0" encoding="utf-8"?>
+<file path=ppt/slides/slide19.xml><?xml version="1.0" encoding="utf-8"?>
 <p:sld xmlns:a="http://schemas.openxmlformats.org/drawingml/2006/main" xmlns:r="http://schemas.openxmlformats.org/officeDocument/2006/relationships" xmlns:p="http://schemas.openxmlformats.org/presentationml/2006/main">
   <p:cSld>
     <p:spTree>
@@ -14388,1676 +15588,6 @@
           </a:prstGeom>
         </p:spPr>
       </p:pic>
-    </p:spTree>
-  </p:cSld>
-  <p:clrMapOvr>
-    <a:masterClrMapping/>
-  </p:clrMapOvr>
-</p:sld>
-</file>
-
-<file path=ppt/slides/slide18.xml><?xml version="1.0" encoding="utf-8"?>
-<p:sld xmlns:a="http://schemas.openxmlformats.org/drawingml/2006/main" xmlns:r="http://schemas.openxmlformats.org/officeDocument/2006/relationships" xmlns:p="http://schemas.openxmlformats.org/presentationml/2006/main">
-  <p:cSld>
-    <p:spTree>
-      <p:nvGrpSpPr>
-        <p:cNvPr id="1" name=""/>
-        <p:cNvGrpSpPr/>
-        <p:nvPr/>
-      </p:nvGrpSpPr>
-      <p:grpSpPr>
-        <a:xfrm>
-          <a:off x="0" y="0"/>
-          <a:ext cx="0" cy="0"/>
-          <a:chOff x="0" y="0"/>
-          <a:chExt cx="0" cy="0"/>
-        </a:xfrm>
-      </p:grpSpPr>
-      <p:sp>
-        <p:nvSpPr>
-          <p:cNvPr id="2" name="标题 1"/>
-          <p:cNvSpPr>
-            <a:spLocks noGrp="1"/>
-          </p:cNvSpPr>
-          <p:nvPr>
-            <p:ph type="ctrTitle"/>
-          </p:nvPr>
-        </p:nvSpPr>
-        <p:spPr>
-          <a:xfrm>
-            <a:off x="1231900" y="1377315"/>
-            <a:ext cx="9579610" cy="3539490"/>
-          </a:xfrm>
-        </p:spPr>
-        <p:txBody>
-          <a:bodyPr>
-            <a:normAutofit fontScale="90000"/>
-          </a:bodyPr>
-          <a:lstStyle/>
-          <a:p>
-            <a:pPr algn="l"/>
-            <a:br>
-              <a:rPr sz="1800" dirty="0">
-                <a:solidFill>
-                  <a:schemeClr val="tx1">
-                    <a:lumMod val="65000"/>
-                    <a:lumOff val="35000"/>
-                  </a:schemeClr>
-                </a:solidFill>
-                <a:latin typeface="+mn-lt"/>
-                <a:ea typeface="+mn-ea"/>
-                <a:cs typeface="+mn-cs"/>
-              </a:rPr>
-            </a:br>
-            <a:br>
-              <a:rPr sz="1800" dirty="0">
-                <a:solidFill>
-                  <a:schemeClr val="tx1">
-                    <a:lumMod val="65000"/>
-                    <a:lumOff val="35000"/>
-                  </a:schemeClr>
-                </a:solidFill>
-                <a:latin typeface="+mn-lt"/>
-                <a:ea typeface="+mn-ea"/>
-                <a:cs typeface="+mn-cs"/>
-              </a:rPr>
-            </a:br>
-            <a:br>
-              <a:rPr sz="1800" dirty="0">
-                <a:solidFill>
-                  <a:schemeClr val="tx1">
-                    <a:lumMod val="65000"/>
-                    <a:lumOff val="35000"/>
-                  </a:schemeClr>
-                </a:solidFill>
-                <a:latin typeface="+mn-lt"/>
-                <a:ea typeface="+mn-ea"/>
-                <a:cs typeface="+mn-cs"/>
-              </a:rPr>
-            </a:br>
-            <a:r>
-              <a:rPr lang="zh-CN" sz="1800" dirty="0">
-                <a:solidFill>
-                  <a:schemeClr val="tx1">
-                    <a:lumMod val="65000"/>
-                    <a:lumOff val="35000"/>
-                  </a:schemeClr>
-                </a:solidFill>
-                <a:latin typeface="+mn-lt"/>
-                <a:ea typeface="+mn-ea"/>
-                <a:cs typeface="+mn-cs"/>
-              </a:rPr>
-              <a:t>测试用例包路径</a:t>
-            </a:r>
-            <a:r>
-              <a:rPr lang="en-US" altLang="zh-CN" sz="1800" dirty="0">
-                <a:solidFill>
-                  <a:schemeClr val="tx1">
-                    <a:lumMod val="65000"/>
-                    <a:lumOff val="35000"/>
-                  </a:schemeClr>
-                </a:solidFill>
-                <a:latin typeface="+mn-lt"/>
-                <a:ea typeface="+mn-ea"/>
-                <a:cs typeface="+mn-cs"/>
-              </a:rPr>
-              <a:t>: org.apache.ibatis.session.SqlSessionTest</a:t>
-            </a:r>
-            <a:br>
-              <a:rPr sz="1800" dirty="0">
-                <a:solidFill>
-                  <a:schemeClr val="tx1">
-                    <a:lumMod val="65000"/>
-                    <a:lumOff val="35000"/>
-                  </a:schemeClr>
-                </a:solidFill>
-                <a:latin typeface="+mn-lt"/>
-                <a:ea typeface="+mn-ea"/>
-                <a:cs typeface="+mn-cs"/>
-              </a:rPr>
-            </a:br>
-            <a:r>
-              <a:rPr sz="1800" dirty="0">
-                <a:solidFill>
-                  <a:schemeClr val="tx1">
-                    <a:lumMod val="65000"/>
-                    <a:lumOff val="35000"/>
-                  </a:schemeClr>
-                </a:solidFill>
-                <a:latin typeface="+mn-lt"/>
-                <a:ea typeface="+mn-ea"/>
-                <a:cs typeface="+mn-cs"/>
-              </a:rPr>
-              <a:t>  @Test</a:t>
-            </a:r>
-            <a:br>
-              <a:rPr sz="1800" dirty="0">
-                <a:solidFill>
-                  <a:schemeClr val="tx1">
-                    <a:lumMod val="65000"/>
-                    <a:lumOff val="35000"/>
-                  </a:schemeClr>
-                </a:solidFill>
-                <a:latin typeface="+mn-lt"/>
-                <a:ea typeface="+mn-ea"/>
-                <a:cs typeface="+mn-cs"/>
-              </a:rPr>
-            </a:br>
-            <a:r>
-              <a:rPr sz="1800" dirty="0">
-                <a:solidFill>
-                  <a:schemeClr val="tx1">
-                    <a:lumMod val="65000"/>
-                    <a:lumOff val="35000"/>
-                  </a:schemeClr>
-                </a:solidFill>
-                <a:latin typeface="+mn-lt"/>
-                <a:ea typeface="+mn-ea"/>
-                <a:cs typeface="+mn-cs"/>
-              </a:rPr>
-              <a:t>  void shouldSelectAuthorsUsingMapperClass() {</a:t>
-            </a:r>
-            <a:br>
-              <a:rPr sz="1800" dirty="0">
-                <a:solidFill>
-                  <a:schemeClr val="tx1">
-                    <a:lumMod val="65000"/>
-                    <a:lumOff val="35000"/>
-                  </a:schemeClr>
-                </a:solidFill>
-                <a:latin typeface="+mn-lt"/>
-                <a:ea typeface="+mn-ea"/>
-                <a:cs typeface="+mn-cs"/>
-              </a:rPr>
-            </a:br>
-            <a:r>
-              <a:rPr sz="1800" dirty="0">
-                <a:solidFill>
-                  <a:schemeClr val="tx1">
-                    <a:lumMod val="65000"/>
-                    <a:lumOff val="35000"/>
-                  </a:schemeClr>
-                </a:solidFill>
-                <a:latin typeface="+mn-lt"/>
-                <a:ea typeface="+mn-ea"/>
-                <a:cs typeface="+mn-cs"/>
-              </a:rPr>
-              <a:t>    </a:t>
-            </a:r>
-            <a:r>
-              <a:rPr lang="en-US" sz="1800" dirty="0">
-                <a:solidFill>
-                  <a:schemeClr val="tx1">
-                    <a:lumMod val="65000"/>
-                    <a:lumOff val="35000"/>
-                  </a:schemeClr>
-                </a:solidFill>
-                <a:latin typeface="+mn-lt"/>
-                <a:ea typeface="+mn-ea"/>
-                <a:cs typeface="+mn-cs"/>
-              </a:rPr>
-              <a:t>final String resource = "org/apache/ibatis/builder/MapperConfig.xml"; // </a:t>
-            </a:r>
-            <a:r>
-              <a:rPr lang="zh-CN" altLang="en-US" sz="1800" dirty="0">
-                <a:solidFill>
-                  <a:schemeClr val="tx1">
-                    <a:lumMod val="65000"/>
-                    <a:lumOff val="35000"/>
-                  </a:schemeClr>
-                </a:solidFill>
-                <a:latin typeface="+mn-lt"/>
-                <a:ea typeface="+mn-ea"/>
-                <a:cs typeface="+mn-cs"/>
-              </a:rPr>
-              <a:t>配置文件位置</a:t>
-            </a:r>
-            <a:br>
-              <a:rPr lang="en-US" sz="1800" dirty="0">
-                <a:solidFill>
-                  <a:schemeClr val="tx1">
-                    <a:lumMod val="65000"/>
-                    <a:lumOff val="35000"/>
-                  </a:schemeClr>
-                </a:solidFill>
-                <a:latin typeface="+mn-lt"/>
-                <a:ea typeface="+mn-ea"/>
-                <a:cs typeface="+mn-cs"/>
-              </a:rPr>
-            </a:br>
-            <a:r>
-              <a:rPr lang="en-US" sz="1800" dirty="0">
-                <a:solidFill>
-                  <a:schemeClr val="tx1">
-                    <a:lumMod val="65000"/>
-                    <a:lumOff val="35000"/>
-                  </a:schemeClr>
-                </a:solidFill>
-                <a:latin typeface="+mn-lt"/>
-                <a:ea typeface="+mn-ea"/>
-                <a:cs typeface="+mn-cs"/>
-              </a:rPr>
-              <a:t>    final Reader reader = Resources.getResourceAsReader(resource);  // </a:t>
-            </a:r>
-            <a:r>
-              <a:rPr lang="zh-CN" altLang="en-US" sz="1800" dirty="0">
-                <a:solidFill>
-                  <a:schemeClr val="tx1">
-                    <a:lumMod val="65000"/>
-                    <a:lumOff val="35000"/>
-                  </a:schemeClr>
-                </a:solidFill>
-                <a:latin typeface="+mn-lt"/>
-                <a:ea typeface="+mn-ea"/>
-                <a:cs typeface="+mn-cs"/>
-              </a:rPr>
-              <a:t>加载配置文件</a:t>
-            </a:r>
-            <a:br>
-              <a:rPr lang="en-US" sz="1800" dirty="0">
-                <a:solidFill>
-                  <a:schemeClr val="tx1">
-                    <a:lumMod val="65000"/>
-                    <a:lumOff val="35000"/>
-                  </a:schemeClr>
-                </a:solidFill>
-                <a:latin typeface="+mn-lt"/>
-                <a:ea typeface="+mn-ea"/>
-                <a:cs typeface="+mn-cs"/>
-              </a:rPr>
-            </a:br>
-            <a:r>
-              <a:rPr lang="en-US" sz="1800" dirty="0">
-                <a:solidFill>
-                  <a:schemeClr val="tx1">
-                    <a:lumMod val="65000"/>
-                    <a:lumOff val="35000"/>
-                  </a:schemeClr>
-                </a:solidFill>
-                <a:latin typeface="+mn-lt"/>
-                <a:ea typeface="+mn-ea"/>
-                <a:cs typeface="+mn-cs"/>
-              </a:rPr>
-              <a:t>    sqlMapper = new SqlSessionFactoryBuilder().build(reader); // </a:t>
-            </a:r>
-            <a:r>
-              <a:rPr lang="zh-CN" altLang="en-US" sz="1800" dirty="0">
-                <a:solidFill>
-                  <a:schemeClr val="tx1">
-                    <a:lumMod val="65000"/>
-                    <a:lumOff val="35000"/>
-                  </a:schemeClr>
-                </a:solidFill>
-                <a:latin typeface="+mn-lt"/>
-                <a:ea typeface="+mn-ea"/>
-                <a:cs typeface="+mn-cs"/>
-              </a:rPr>
-              <a:t>创建</a:t>
-            </a:r>
-            <a:r>
-              <a:rPr lang="en-US" altLang="zh-CN" sz="1800" dirty="0">
-                <a:solidFill>
-                  <a:schemeClr val="tx1">
-                    <a:lumMod val="65000"/>
-                    <a:lumOff val="35000"/>
-                  </a:schemeClr>
-                </a:solidFill>
-                <a:latin typeface="+mn-lt"/>
-                <a:ea typeface="+mn-ea"/>
-                <a:cs typeface="+mn-cs"/>
-              </a:rPr>
-              <a:t>SqlSessionFactory</a:t>
-            </a:r>
-            <a:br>
-              <a:rPr lang="en-US" sz="1800" dirty="0">
-                <a:solidFill>
-                  <a:schemeClr val="tx1">
-                    <a:lumMod val="65000"/>
-                    <a:lumOff val="35000"/>
-                  </a:schemeClr>
-                </a:solidFill>
-                <a:latin typeface="+mn-lt"/>
-                <a:ea typeface="+mn-ea"/>
-                <a:cs typeface="+mn-cs"/>
-              </a:rPr>
-            </a:br>
-            <a:br>
-              <a:rPr sz="1800" dirty="0">
-                <a:solidFill>
-                  <a:schemeClr val="tx1">
-                    <a:lumMod val="65000"/>
-                    <a:lumOff val="35000"/>
-                  </a:schemeClr>
-                </a:solidFill>
-                <a:latin typeface="+mn-lt"/>
-                <a:ea typeface="+mn-ea"/>
-                <a:cs typeface="+mn-cs"/>
-              </a:rPr>
-            </a:br>
-            <a:r>
-              <a:rPr sz="1800" dirty="0">
-                <a:solidFill>
-                  <a:schemeClr val="tx1">
-                    <a:lumMod val="65000"/>
-                    <a:lumOff val="35000"/>
-                  </a:schemeClr>
-                </a:solidFill>
-                <a:latin typeface="+mn-lt"/>
-                <a:ea typeface="+mn-ea"/>
-                <a:cs typeface="+mn-cs"/>
-              </a:rPr>
-              <a:t>    try (</a:t>
-            </a:r>
-            <a:r>
-              <a:rPr sz="1800" dirty="0">
-                <a:solidFill>
-                  <a:srgbClr val="FF0000"/>
-                </a:solidFill>
-                <a:latin typeface="+mn-lt"/>
-                <a:ea typeface="+mn-ea"/>
-                <a:cs typeface="+mn-cs"/>
-              </a:rPr>
-              <a:t>SqlSession session = sqlMapper.openSession()</a:t>
-            </a:r>
-            <a:r>
-              <a:rPr sz="1800" dirty="0">
-                <a:solidFill>
-                  <a:schemeClr val="tx1">
-                    <a:lumMod val="65000"/>
-                    <a:lumOff val="35000"/>
-                  </a:schemeClr>
-                </a:solidFill>
-                <a:latin typeface="+mn-lt"/>
-                <a:ea typeface="+mn-ea"/>
-                <a:cs typeface="+mn-cs"/>
-              </a:rPr>
-              <a:t>) { </a:t>
-            </a:r>
-            <a:r>
-              <a:rPr lang="en-US" sz="1800" dirty="0">
-                <a:solidFill>
-                  <a:schemeClr val="tx1">
-                    <a:lumMod val="65000"/>
-                    <a:lumOff val="35000"/>
-                  </a:schemeClr>
-                </a:solidFill>
-                <a:latin typeface="+mn-lt"/>
-                <a:ea typeface="+mn-ea"/>
-                <a:cs typeface="+mn-cs"/>
-              </a:rPr>
-              <a:t>// JDK8 lambda </a:t>
-            </a:r>
-            <a:r>
-              <a:rPr lang="zh-CN" altLang="en-US" sz="1800" dirty="0">
-                <a:solidFill>
-                  <a:schemeClr val="tx1">
-                    <a:lumMod val="65000"/>
-                    <a:lumOff val="35000"/>
-                  </a:schemeClr>
-                </a:solidFill>
-                <a:latin typeface="+mn-lt"/>
-                <a:ea typeface="+mn-ea"/>
-                <a:cs typeface="+mn-cs"/>
-              </a:rPr>
-              <a:t>创建</a:t>
-            </a:r>
-            <a:r>
-              <a:rPr lang="en-US" altLang="zh-CN" sz="1800" dirty="0">
-                <a:solidFill>
-                  <a:schemeClr val="tx1">
-                    <a:lumMod val="65000"/>
-                    <a:lumOff val="35000"/>
-                  </a:schemeClr>
-                </a:solidFill>
-                <a:latin typeface="+mn-lt"/>
-                <a:ea typeface="+mn-ea"/>
-                <a:cs typeface="+mn-cs"/>
-              </a:rPr>
-              <a:t>SqlSession</a:t>
-            </a:r>
-            <a:br>
-              <a:rPr sz="1800" dirty="0">
-                <a:solidFill>
-                  <a:schemeClr val="tx1">
-                    <a:lumMod val="65000"/>
-                    <a:lumOff val="35000"/>
-                  </a:schemeClr>
-                </a:solidFill>
-                <a:latin typeface="+mn-lt"/>
-                <a:ea typeface="+mn-ea"/>
-                <a:cs typeface="+mn-cs"/>
-              </a:rPr>
-            </a:br>
-            <a:r>
-              <a:rPr sz="1800" dirty="0">
-                <a:solidFill>
-                  <a:schemeClr val="tx1">
-                    <a:lumMod val="65000"/>
-                    <a:lumOff val="35000"/>
-                  </a:schemeClr>
-                </a:solidFill>
-                <a:latin typeface="+mn-lt"/>
-                <a:ea typeface="+mn-ea"/>
-                <a:cs typeface="+mn-cs"/>
-              </a:rPr>
-              <a:t>      AuthorMapper mapper = session.getMapper(AuthorMapper.class); </a:t>
-            </a:r>
-            <a:r>
-              <a:rPr lang="en-US" sz="1800" dirty="0">
-                <a:solidFill>
-                  <a:schemeClr val="tx1">
-                    <a:lumMod val="65000"/>
-                    <a:lumOff val="35000"/>
-                  </a:schemeClr>
-                </a:solidFill>
-                <a:latin typeface="+mn-lt"/>
-                <a:ea typeface="+mn-ea"/>
-                <a:cs typeface="+mn-cs"/>
-              </a:rPr>
-              <a:t>// </a:t>
-            </a:r>
-            <a:r>
-              <a:rPr lang="zh-CN" altLang="en-US" sz="1800" dirty="0">
-                <a:solidFill>
-                  <a:schemeClr val="tx1">
-                    <a:lumMod val="65000"/>
-                    <a:lumOff val="35000"/>
-                  </a:schemeClr>
-                </a:solidFill>
-                <a:latin typeface="+mn-lt"/>
-                <a:ea typeface="+mn-ea"/>
-                <a:cs typeface="+mn-cs"/>
-              </a:rPr>
-              <a:t>获得</a:t>
-            </a:r>
-            <a:r>
-              <a:rPr lang="en-US" altLang="zh-CN" sz="1800" dirty="0">
-                <a:solidFill>
-                  <a:schemeClr val="tx1">
-                    <a:lumMod val="65000"/>
-                    <a:lumOff val="35000"/>
-                  </a:schemeClr>
-                </a:solidFill>
-                <a:latin typeface="+mn-lt"/>
-                <a:ea typeface="+mn-ea"/>
-                <a:cs typeface="+mn-cs"/>
-              </a:rPr>
-              <a:t>Mapper</a:t>
-            </a:r>
-            <a:r>
-              <a:rPr lang="zh-CN" altLang="en-US" sz="1800" dirty="0">
-                <a:solidFill>
-                  <a:schemeClr val="tx1">
-                    <a:lumMod val="65000"/>
-                    <a:lumOff val="35000"/>
-                  </a:schemeClr>
-                </a:solidFill>
-                <a:latin typeface="+mn-lt"/>
-                <a:ea typeface="+mn-ea"/>
-                <a:cs typeface="+mn-cs"/>
-              </a:rPr>
-              <a:t>对象</a:t>
-            </a:r>
-            <a:br>
-              <a:rPr sz="1800" dirty="0">
-                <a:solidFill>
-                  <a:schemeClr val="tx1">
-                    <a:lumMod val="65000"/>
-                    <a:lumOff val="35000"/>
-                  </a:schemeClr>
-                </a:solidFill>
-                <a:latin typeface="+mn-lt"/>
-                <a:ea typeface="+mn-ea"/>
-                <a:cs typeface="+mn-cs"/>
-              </a:rPr>
-            </a:br>
-            <a:r>
-              <a:rPr sz="1800" dirty="0">
-                <a:solidFill>
-                  <a:schemeClr val="tx1">
-                    <a:lumMod val="65000"/>
-                    <a:lumOff val="35000"/>
-                  </a:schemeClr>
-                </a:solidFill>
-                <a:latin typeface="+mn-lt"/>
-                <a:ea typeface="+mn-ea"/>
-                <a:cs typeface="+mn-cs"/>
-              </a:rPr>
-              <a:t>      List&lt;Author&gt; authors = mapper.selectAllAuthors(); </a:t>
-            </a:r>
-            <a:r>
-              <a:rPr lang="en-US" sz="1800" dirty="0">
-                <a:solidFill>
-                  <a:schemeClr val="tx1">
-                    <a:lumMod val="65000"/>
-                    <a:lumOff val="35000"/>
-                  </a:schemeClr>
-                </a:solidFill>
-                <a:latin typeface="+mn-lt"/>
-                <a:ea typeface="+mn-ea"/>
-                <a:cs typeface="+mn-cs"/>
-              </a:rPr>
-              <a:t>// </a:t>
-            </a:r>
-            <a:r>
-              <a:rPr lang="zh-CN" altLang="en-US" sz="1800" dirty="0">
-                <a:solidFill>
-                  <a:schemeClr val="tx1">
-                    <a:lumMod val="65000"/>
-                    <a:lumOff val="35000"/>
-                  </a:schemeClr>
-                </a:solidFill>
-                <a:latin typeface="+mn-lt"/>
-                <a:ea typeface="+mn-ea"/>
-                <a:cs typeface="+mn-cs"/>
-              </a:rPr>
-              <a:t>执行查询操作</a:t>
-            </a:r>
-            <a:br>
-              <a:rPr sz="1800" dirty="0">
-                <a:solidFill>
-                  <a:schemeClr val="tx1">
-                    <a:lumMod val="65000"/>
-                    <a:lumOff val="35000"/>
-                  </a:schemeClr>
-                </a:solidFill>
-                <a:latin typeface="+mn-lt"/>
-                <a:ea typeface="+mn-ea"/>
-                <a:cs typeface="+mn-cs"/>
-              </a:rPr>
-            </a:br>
-            <a:r>
-              <a:rPr sz="1800" dirty="0">
-                <a:solidFill>
-                  <a:schemeClr val="tx1">
-                    <a:lumMod val="65000"/>
-                    <a:lumOff val="35000"/>
-                  </a:schemeClr>
-                </a:solidFill>
-                <a:latin typeface="+mn-lt"/>
-                <a:ea typeface="+mn-ea"/>
-                <a:cs typeface="+mn-cs"/>
-              </a:rPr>
-              <a:t>      assertEquals(2, authors.size());</a:t>
-            </a:r>
-            <a:br>
-              <a:rPr sz="1800" dirty="0">
-                <a:solidFill>
-                  <a:schemeClr val="tx1">
-                    <a:lumMod val="65000"/>
-                    <a:lumOff val="35000"/>
-                  </a:schemeClr>
-                </a:solidFill>
-                <a:latin typeface="+mn-lt"/>
-                <a:ea typeface="+mn-ea"/>
-                <a:cs typeface="+mn-cs"/>
-              </a:rPr>
-            </a:br>
-            <a:r>
-              <a:rPr sz="1800" dirty="0">
-                <a:solidFill>
-                  <a:schemeClr val="tx1">
-                    <a:lumMod val="65000"/>
-                    <a:lumOff val="35000"/>
-                  </a:schemeClr>
-                </a:solidFill>
-                <a:latin typeface="+mn-lt"/>
-                <a:ea typeface="+mn-ea"/>
-                <a:cs typeface="+mn-cs"/>
-              </a:rPr>
-              <a:t>    }</a:t>
-            </a:r>
-            <a:br>
-              <a:rPr sz="1800" dirty="0">
-                <a:solidFill>
-                  <a:schemeClr val="tx1">
-                    <a:lumMod val="65000"/>
-                    <a:lumOff val="35000"/>
-                  </a:schemeClr>
-                </a:solidFill>
-                <a:latin typeface="+mn-lt"/>
-                <a:ea typeface="+mn-ea"/>
-                <a:cs typeface="+mn-cs"/>
-              </a:rPr>
-            </a:br>
-            <a:r>
-              <a:rPr sz="1800" dirty="0">
-                <a:solidFill>
-                  <a:schemeClr val="tx1">
-                    <a:lumMod val="65000"/>
-                    <a:lumOff val="35000"/>
-                  </a:schemeClr>
-                </a:solidFill>
-                <a:latin typeface="+mn-lt"/>
-                <a:ea typeface="+mn-ea"/>
-                <a:cs typeface="+mn-cs"/>
-              </a:rPr>
-              <a:t>  }</a:t>
-            </a:r>
-            <a:endParaRPr sz="1800" dirty="0">
-              <a:solidFill>
-                <a:schemeClr val="tx1">
-                  <a:lumMod val="65000"/>
-                  <a:lumOff val="35000"/>
-                </a:schemeClr>
-              </a:solidFill>
-              <a:latin typeface="+mn-lt"/>
-              <a:ea typeface="+mn-ea"/>
-              <a:cs typeface="+mn-cs"/>
-            </a:endParaRPr>
-          </a:p>
-        </p:txBody>
-      </p:sp>
-      <p:sp>
-        <p:nvSpPr>
-          <p:cNvPr id="4" name="标题 1"/>
-          <p:cNvSpPr>
-            <a:spLocks noGrp="1"/>
-          </p:cNvSpPr>
-          <p:nvPr/>
-        </p:nvSpPr>
-        <p:spPr>
-          <a:xfrm>
-            <a:off x="432095" y="560041"/>
-            <a:ext cx="8782438" cy="742235"/>
-          </a:xfrm>
-          <a:prstGeom prst="rect">
-            <a:avLst/>
-          </a:prstGeom>
-        </p:spPr>
-        <p:txBody>
-          <a:bodyPr vert="horz" lIns="91440" tIns="45720" rIns="91440" bIns="45720" rtlCol="0" anchor="t">
-            <a:normAutofit fontScale="90000"/>
-          </a:bodyPr>
-          <a:lstStyle>
-            <a:lvl1pPr algn="l" defTabSz="457200" rtl="0" eaLnBrk="1" latinLnBrk="0" hangingPunct="1">
-              <a:spcBef>
-                <a:spcPct val="0"/>
-              </a:spcBef>
-              <a:buNone/>
-              <a:defRPr sz="3600" kern="1200">
-                <a:solidFill>
-                  <a:schemeClr val="tx1">
-                    <a:lumMod val="85000"/>
-                    <a:lumOff val="15000"/>
-                  </a:schemeClr>
-                </a:solidFill>
-                <a:latin typeface="+mj-lt"/>
-                <a:ea typeface="+mj-ea"/>
-                <a:cs typeface="+mj-cs"/>
-              </a:defRPr>
-            </a:lvl1pPr>
-            <a:lvl2pPr eaLnBrk="1" hangingPunct="1">
-              <a:defRPr>
-                <a:solidFill>
-                  <a:schemeClr val="tx2"/>
-                </a:solidFill>
-              </a:defRPr>
-            </a:lvl2pPr>
-            <a:lvl3pPr eaLnBrk="1" hangingPunct="1">
-              <a:defRPr>
-                <a:solidFill>
-                  <a:schemeClr val="tx2"/>
-                </a:solidFill>
-              </a:defRPr>
-            </a:lvl3pPr>
-            <a:lvl4pPr eaLnBrk="1" hangingPunct="1">
-              <a:defRPr>
-                <a:solidFill>
-                  <a:schemeClr val="tx2"/>
-                </a:solidFill>
-              </a:defRPr>
-            </a:lvl4pPr>
-            <a:lvl5pPr eaLnBrk="1" hangingPunct="1">
-              <a:defRPr>
-                <a:solidFill>
-                  <a:schemeClr val="tx2"/>
-                </a:solidFill>
-              </a:defRPr>
-            </a:lvl5pPr>
-            <a:lvl6pPr eaLnBrk="1" hangingPunct="1">
-              <a:defRPr>
-                <a:solidFill>
-                  <a:schemeClr val="tx2"/>
-                </a:solidFill>
-              </a:defRPr>
-            </a:lvl6pPr>
-            <a:lvl7pPr eaLnBrk="1" hangingPunct="1">
-              <a:defRPr>
-                <a:solidFill>
-                  <a:schemeClr val="tx2"/>
-                </a:solidFill>
-              </a:defRPr>
-            </a:lvl7pPr>
-            <a:lvl8pPr eaLnBrk="1" hangingPunct="1">
-              <a:defRPr>
-                <a:solidFill>
-                  <a:schemeClr val="tx2"/>
-                </a:solidFill>
-              </a:defRPr>
-            </a:lvl8pPr>
-            <a:lvl9pPr eaLnBrk="1" hangingPunct="1">
-              <a:defRPr>
-                <a:solidFill>
-                  <a:schemeClr val="tx2"/>
-                </a:solidFill>
-              </a:defRPr>
-            </a:lvl9pPr>
-          </a:lstStyle>
-          <a:p>
-            <a:r>
-              <a:rPr lang="en-US" altLang="zh-CN" dirty="0"/>
-              <a:t>SqlSession</a:t>
-            </a:r>
-            <a:r>
-              <a:rPr lang="zh-CN" altLang="en-US" dirty="0"/>
-              <a:t>实例</a:t>
-            </a:r>
-            <a:r>
-              <a:rPr lang="zh-CN" altLang="en-US" dirty="0"/>
-              <a:t>代码</a:t>
-            </a:r>
-            <a:endParaRPr lang="zh-CN" altLang="en-US" dirty="0"/>
-          </a:p>
-          <a:p>
-            <a:endParaRPr lang="zh-CN" altLang="en-US" dirty="0"/>
-          </a:p>
-        </p:txBody>
-      </p:sp>
-      <p:sp>
-        <p:nvSpPr>
-          <p:cNvPr id="3" name="标题 1"/>
-          <p:cNvSpPr>
-            <a:spLocks noGrp="1"/>
-          </p:cNvSpPr>
-          <p:nvPr/>
-        </p:nvSpPr>
-        <p:spPr>
-          <a:xfrm>
-            <a:off x="1741170" y="4916805"/>
-            <a:ext cx="9354185" cy="1708150"/>
-          </a:xfrm>
-          <a:prstGeom prst="rect">
-            <a:avLst/>
-          </a:prstGeom>
-        </p:spPr>
-        <p:txBody>
-          <a:bodyPr vert="horz" lIns="91440" tIns="45720" rIns="91440" bIns="45720" rtlCol="0" anchor="b">
-            <a:normAutofit lnSpcReduction="10000"/>
-          </a:bodyPr>
-          <a:lstStyle>
-            <a:lvl1pPr algn="l" defTabSz="457200" rtl="0" eaLnBrk="1" latinLnBrk="0" hangingPunct="1">
-              <a:spcBef>
-                <a:spcPct val="0"/>
-              </a:spcBef>
-              <a:buNone/>
-              <a:defRPr sz="5400" kern="1200">
-                <a:solidFill>
-                  <a:schemeClr val="tx1">
-                    <a:lumMod val="85000"/>
-                    <a:lumOff val="15000"/>
-                  </a:schemeClr>
-                </a:solidFill>
-                <a:latin typeface="+mj-lt"/>
-                <a:ea typeface="+mj-ea"/>
-                <a:cs typeface="+mj-cs"/>
-              </a:defRPr>
-            </a:lvl1pPr>
-            <a:lvl2pPr eaLnBrk="1" hangingPunct="1">
-              <a:defRPr>
-                <a:solidFill>
-                  <a:schemeClr val="tx2"/>
-                </a:solidFill>
-              </a:defRPr>
-            </a:lvl2pPr>
-            <a:lvl3pPr eaLnBrk="1" hangingPunct="1">
-              <a:defRPr>
-                <a:solidFill>
-                  <a:schemeClr val="tx2"/>
-                </a:solidFill>
-              </a:defRPr>
-            </a:lvl3pPr>
-            <a:lvl4pPr eaLnBrk="1" hangingPunct="1">
-              <a:defRPr>
-                <a:solidFill>
-                  <a:schemeClr val="tx2"/>
-                </a:solidFill>
-              </a:defRPr>
-            </a:lvl4pPr>
-            <a:lvl5pPr eaLnBrk="1" hangingPunct="1">
-              <a:defRPr>
-                <a:solidFill>
-                  <a:schemeClr val="tx2"/>
-                </a:solidFill>
-              </a:defRPr>
-            </a:lvl5pPr>
-            <a:lvl6pPr eaLnBrk="1" hangingPunct="1">
-              <a:defRPr>
-                <a:solidFill>
-                  <a:schemeClr val="tx2"/>
-                </a:solidFill>
-              </a:defRPr>
-            </a:lvl6pPr>
-            <a:lvl7pPr eaLnBrk="1" hangingPunct="1">
-              <a:defRPr>
-                <a:solidFill>
-                  <a:schemeClr val="tx2"/>
-                </a:solidFill>
-              </a:defRPr>
-            </a:lvl7pPr>
-            <a:lvl8pPr eaLnBrk="1" hangingPunct="1">
-              <a:defRPr>
-                <a:solidFill>
-                  <a:schemeClr val="tx2"/>
-                </a:solidFill>
-              </a:defRPr>
-            </a:lvl8pPr>
-            <a:lvl9pPr eaLnBrk="1" hangingPunct="1">
-              <a:defRPr>
-                <a:solidFill>
-                  <a:schemeClr val="tx2"/>
-                </a:solidFill>
-              </a:defRPr>
-            </a:lvl9pPr>
-          </a:lstStyle>
-          <a:p>
-            <a:pPr algn="l"/>
-            <a:r>
-              <a:rPr lang="en-US" altLang="zh-CN" sz="1800" dirty="0">
-                <a:solidFill>
-                  <a:schemeClr val="tx1">
-                    <a:lumMod val="65000"/>
-                    <a:lumOff val="35000"/>
-                  </a:schemeClr>
-                </a:solidFill>
-                <a:latin typeface="+mn-lt"/>
-                <a:ea typeface="+mn-ea"/>
-                <a:cs typeface="+mn-cs"/>
-              </a:rPr>
-              <a:t>mybatis</a:t>
-            </a:r>
-            <a:r>
-              <a:rPr lang="zh-CN" altLang="en-US" sz="1800" dirty="0">
-                <a:solidFill>
-                  <a:schemeClr val="tx1">
-                    <a:lumMod val="65000"/>
-                    <a:lumOff val="35000"/>
-                  </a:schemeClr>
-                </a:solidFill>
-                <a:latin typeface="+mn-lt"/>
-                <a:ea typeface="+mn-ea"/>
-                <a:cs typeface="+mn-cs"/>
-              </a:rPr>
-              <a:t>执行数据库操作流程如下</a:t>
-            </a:r>
-            <a:r>
-              <a:rPr lang="en-US" altLang="zh-CN" sz="1800" dirty="0">
-                <a:solidFill>
-                  <a:schemeClr val="tx1">
-                    <a:lumMod val="65000"/>
-                    <a:lumOff val="35000"/>
-                  </a:schemeClr>
-                </a:solidFill>
-                <a:latin typeface="+mn-lt"/>
-                <a:ea typeface="+mn-ea"/>
-                <a:cs typeface="+mn-cs"/>
-              </a:rPr>
-              <a:t>:</a:t>
-            </a:r>
-            <a:endParaRPr lang="en-US" altLang="zh-CN" sz="1800" dirty="0">
-              <a:solidFill>
-                <a:schemeClr val="tx1">
-                  <a:lumMod val="65000"/>
-                  <a:lumOff val="35000"/>
-                </a:schemeClr>
-              </a:solidFill>
-              <a:latin typeface="+mn-lt"/>
-              <a:ea typeface="+mn-ea"/>
-              <a:cs typeface="+mn-cs"/>
-            </a:endParaRPr>
-          </a:p>
-          <a:p>
-            <a:pPr algn="l"/>
-            <a:r>
-              <a:rPr lang="en-US" altLang="zh-CN" sz="1800" dirty="0">
-                <a:solidFill>
-                  <a:schemeClr val="tx1">
-                    <a:lumMod val="65000"/>
-                    <a:lumOff val="35000"/>
-                  </a:schemeClr>
-                </a:solidFill>
-                <a:latin typeface="+mn-lt"/>
-                <a:ea typeface="+mn-ea"/>
-                <a:cs typeface="+mn-cs"/>
-              </a:rPr>
-              <a:t>1. mybatis</a:t>
-            </a:r>
-            <a:r>
-              <a:rPr lang="zh-CN" altLang="en-US" sz="1800" dirty="0">
-                <a:solidFill>
-                  <a:schemeClr val="tx1">
-                    <a:lumMod val="65000"/>
-                    <a:lumOff val="35000"/>
-                  </a:schemeClr>
-                </a:solidFill>
-                <a:latin typeface="+mn-lt"/>
-                <a:ea typeface="+mn-ea"/>
-                <a:cs typeface="+mn-cs"/>
-              </a:rPr>
-              <a:t>首先加载配置文件</a:t>
-            </a:r>
-            <a:endParaRPr lang="zh-CN" altLang="en-US" sz="1800" dirty="0">
-              <a:solidFill>
-                <a:schemeClr val="tx1">
-                  <a:lumMod val="65000"/>
-                  <a:lumOff val="35000"/>
-                </a:schemeClr>
-              </a:solidFill>
-              <a:latin typeface="+mn-lt"/>
-              <a:ea typeface="+mn-ea"/>
-              <a:cs typeface="+mn-cs"/>
-            </a:endParaRPr>
-          </a:p>
-          <a:p>
-            <a:pPr algn="l"/>
-            <a:r>
-              <a:rPr lang="en-US" altLang="zh-CN" sz="1800" dirty="0">
-                <a:solidFill>
-                  <a:schemeClr val="tx1">
-                    <a:lumMod val="65000"/>
-                    <a:lumOff val="35000"/>
-                  </a:schemeClr>
-                </a:solidFill>
-                <a:latin typeface="+mn-lt"/>
-                <a:ea typeface="+mn-ea"/>
-                <a:cs typeface="+mn-cs"/>
-              </a:rPr>
-              <a:t>2. </a:t>
-            </a:r>
-            <a:r>
-              <a:rPr lang="zh-CN" altLang="en-US" sz="1800" dirty="0">
-                <a:solidFill>
-                  <a:schemeClr val="tx1">
-                    <a:lumMod val="65000"/>
-                    <a:lumOff val="35000"/>
-                  </a:schemeClr>
-                </a:solidFill>
-                <a:latin typeface="+mn-lt"/>
-                <a:ea typeface="+mn-ea"/>
-                <a:cs typeface="+mn-cs"/>
-              </a:rPr>
-              <a:t>通过</a:t>
-            </a:r>
-            <a:r>
-              <a:rPr lang="en-US" altLang="zh-CN" sz="1800" dirty="0">
-                <a:solidFill>
-                  <a:schemeClr val="tx1">
-                    <a:lumMod val="65000"/>
-                    <a:lumOff val="35000"/>
-                  </a:schemeClr>
-                </a:solidFill>
-                <a:latin typeface="+mn-lt"/>
-                <a:ea typeface="+mn-ea"/>
-                <a:cs typeface="+mn-cs"/>
-              </a:rPr>
-              <a:t>SqlSessionFactoryBuilder</a:t>
-            </a:r>
-            <a:r>
-              <a:rPr lang="zh-CN" altLang="en-US" sz="1800" dirty="0">
-                <a:solidFill>
-                  <a:schemeClr val="tx1">
-                    <a:lumMod val="65000"/>
-                    <a:lumOff val="35000"/>
-                  </a:schemeClr>
-                </a:solidFill>
-                <a:latin typeface="+mn-lt"/>
-                <a:ea typeface="+mn-ea"/>
-                <a:cs typeface="+mn-cs"/>
-              </a:rPr>
-              <a:t>创建</a:t>
-            </a:r>
-            <a:r>
-              <a:rPr lang="en-US" altLang="zh-CN" sz="1800" dirty="0">
-                <a:solidFill>
-                  <a:schemeClr val="tx1">
-                    <a:lumMod val="65000"/>
-                    <a:lumOff val="35000"/>
-                  </a:schemeClr>
-                </a:solidFill>
-                <a:latin typeface="+mn-lt"/>
-                <a:ea typeface="+mn-ea"/>
-                <a:cs typeface="+mn-cs"/>
-              </a:rPr>
-              <a:t>SqlSessionFactory</a:t>
-            </a:r>
-            <a:r>
-              <a:rPr lang="zh-CN" altLang="en-US" sz="1800" dirty="0">
-                <a:solidFill>
-                  <a:schemeClr val="tx1">
-                    <a:lumMod val="65000"/>
-                    <a:lumOff val="35000"/>
-                  </a:schemeClr>
-                </a:solidFill>
-                <a:latin typeface="+mn-lt"/>
-                <a:ea typeface="+mn-ea"/>
-                <a:cs typeface="+mn-cs"/>
-              </a:rPr>
-              <a:t>对象</a:t>
-            </a:r>
-            <a:endParaRPr lang="zh-CN" altLang="en-US" sz="1800" dirty="0">
-              <a:solidFill>
-                <a:schemeClr val="tx1">
-                  <a:lumMod val="65000"/>
-                  <a:lumOff val="35000"/>
-                </a:schemeClr>
-              </a:solidFill>
-              <a:latin typeface="+mn-lt"/>
-              <a:ea typeface="+mn-ea"/>
-              <a:cs typeface="+mn-cs"/>
-            </a:endParaRPr>
-          </a:p>
-          <a:p>
-            <a:pPr algn="l"/>
-            <a:r>
-              <a:rPr lang="en-US" altLang="zh-CN" sz="1800" dirty="0">
-                <a:solidFill>
-                  <a:schemeClr val="tx1">
-                    <a:lumMod val="65000"/>
-                    <a:lumOff val="35000"/>
-                  </a:schemeClr>
-                </a:solidFill>
-                <a:latin typeface="+mn-lt"/>
-                <a:ea typeface="+mn-ea"/>
-                <a:cs typeface="+mn-cs"/>
-              </a:rPr>
-              <a:t>3. </a:t>
-            </a:r>
-            <a:r>
-              <a:rPr lang="zh-CN" altLang="en-US" sz="1800" dirty="0">
-                <a:solidFill>
-                  <a:schemeClr val="tx1">
-                    <a:lumMod val="65000"/>
-                    <a:lumOff val="35000"/>
-                  </a:schemeClr>
-                </a:solidFill>
-                <a:latin typeface="+mn-lt"/>
-                <a:ea typeface="+mn-ea"/>
-                <a:cs typeface="+mn-cs"/>
-              </a:rPr>
-              <a:t>通过</a:t>
-            </a:r>
-            <a:r>
-              <a:rPr lang="en-US" altLang="zh-CN" sz="1800" dirty="0">
-                <a:solidFill>
-                  <a:schemeClr val="tx1">
-                    <a:lumMod val="65000"/>
-                    <a:lumOff val="35000"/>
-                  </a:schemeClr>
-                </a:solidFill>
-                <a:latin typeface="+mn-lt"/>
-                <a:ea typeface="+mn-ea"/>
-                <a:cs typeface="+mn-cs"/>
-              </a:rPr>
-              <a:t>SqlSessionFactory</a:t>
-            </a:r>
-            <a:r>
-              <a:rPr lang="zh-CN" altLang="en-US" sz="1800" dirty="0">
-                <a:solidFill>
-                  <a:schemeClr val="tx1">
-                    <a:lumMod val="65000"/>
-                    <a:lumOff val="35000"/>
-                  </a:schemeClr>
-                </a:solidFill>
-                <a:latin typeface="+mn-lt"/>
-                <a:ea typeface="+mn-ea"/>
-                <a:cs typeface="+mn-cs"/>
-              </a:rPr>
-              <a:t>创建</a:t>
-            </a:r>
-            <a:r>
-              <a:rPr lang="en-US" altLang="zh-CN" sz="1800" dirty="0">
-                <a:solidFill>
-                  <a:schemeClr val="tx1">
-                    <a:lumMod val="65000"/>
-                    <a:lumOff val="35000"/>
-                  </a:schemeClr>
-                </a:solidFill>
-                <a:latin typeface="+mn-lt"/>
-                <a:ea typeface="+mn-ea"/>
-                <a:cs typeface="+mn-cs"/>
-              </a:rPr>
-              <a:t>SqlSession</a:t>
-            </a:r>
-            <a:r>
-              <a:rPr lang="zh-CN" altLang="en-US" sz="1800" dirty="0">
-                <a:solidFill>
-                  <a:schemeClr val="tx1">
-                    <a:lumMod val="65000"/>
-                    <a:lumOff val="35000"/>
-                  </a:schemeClr>
-                </a:solidFill>
-                <a:latin typeface="+mn-lt"/>
-                <a:ea typeface="+mn-ea"/>
-                <a:cs typeface="+mn-cs"/>
-              </a:rPr>
-              <a:t>对象</a:t>
-            </a:r>
-            <a:endParaRPr lang="zh-CN" altLang="en-US" sz="1800" dirty="0">
-              <a:solidFill>
-                <a:schemeClr val="tx1">
-                  <a:lumMod val="65000"/>
-                  <a:lumOff val="35000"/>
-                </a:schemeClr>
-              </a:solidFill>
-              <a:latin typeface="+mn-lt"/>
-              <a:ea typeface="+mn-ea"/>
-              <a:cs typeface="+mn-cs"/>
-            </a:endParaRPr>
-          </a:p>
-          <a:p>
-            <a:pPr algn="l"/>
-            <a:r>
-              <a:rPr lang="en-US" altLang="zh-CN" sz="1800" dirty="0">
-                <a:solidFill>
-                  <a:schemeClr val="tx1">
-                    <a:lumMod val="65000"/>
-                    <a:lumOff val="35000"/>
-                  </a:schemeClr>
-                </a:solidFill>
-                <a:latin typeface="+mn-lt"/>
-                <a:ea typeface="+mn-ea"/>
-                <a:cs typeface="+mn-cs"/>
-              </a:rPr>
-              <a:t>4. </a:t>
-            </a:r>
-            <a:r>
-              <a:rPr lang="zh-CN" altLang="en-US" sz="1800" dirty="0">
-                <a:solidFill>
-                  <a:schemeClr val="tx1">
-                    <a:lumMod val="65000"/>
-                    <a:lumOff val="35000"/>
-                  </a:schemeClr>
-                </a:solidFill>
-                <a:latin typeface="+mn-lt"/>
-                <a:ea typeface="+mn-ea"/>
-                <a:cs typeface="+mn-cs"/>
-              </a:rPr>
-              <a:t>通过</a:t>
-            </a:r>
-            <a:r>
-              <a:rPr lang="en-US" altLang="zh-CN" sz="1800" dirty="0">
-                <a:solidFill>
-                  <a:schemeClr val="tx1">
-                    <a:lumMod val="65000"/>
-                    <a:lumOff val="35000"/>
-                  </a:schemeClr>
-                </a:solidFill>
-                <a:latin typeface="+mn-lt"/>
-                <a:ea typeface="+mn-ea"/>
-                <a:cs typeface="+mn-cs"/>
-              </a:rPr>
-              <a:t>SqlSession</a:t>
-            </a:r>
-            <a:r>
-              <a:rPr lang="zh-CN" altLang="en-US" sz="1800" dirty="0">
-                <a:solidFill>
-                  <a:schemeClr val="tx1">
-                    <a:lumMod val="65000"/>
-                    <a:lumOff val="35000"/>
-                  </a:schemeClr>
-                </a:solidFill>
-                <a:latin typeface="+mn-lt"/>
-                <a:ea typeface="+mn-ea"/>
-                <a:cs typeface="+mn-cs"/>
-              </a:rPr>
-              <a:t>戳的</a:t>
-            </a:r>
-            <a:r>
-              <a:rPr lang="en-US" altLang="zh-CN" sz="1800" dirty="0">
-                <a:solidFill>
-                  <a:schemeClr val="tx1">
-                    <a:lumMod val="65000"/>
-                    <a:lumOff val="35000"/>
-                  </a:schemeClr>
-                </a:solidFill>
-                <a:latin typeface="+mn-lt"/>
-                <a:ea typeface="+mn-ea"/>
-                <a:cs typeface="+mn-cs"/>
-              </a:rPr>
-              <a:t>mapper</a:t>
-            </a:r>
-            <a:r>
-              <a:rPr lang="zh-CN" altLang="en-US" sz="1800" dirty="0">
-                <a:solidFill>
-                  <a:schemeClr val="tx1">
-                    <a:lumMod val="65000"/>
-                    <a:lumOff val="35000"/>
-                  </a:schemeClr>
-                </a:solidFill>
-                <a:latin typeface="+mn-lt"/>
-                <a:ea typeface="+mn-ea"/>
-                <a:cs typeface="+mn-cs"/>
-              </a:rPr>
-              <a:t>对象</a:t>
-            </a:r>
-            <a:endParaRPr lang="zh-CN" altLang="en-US" sz="1800" dirty="0">
-              <a:solidFill>
-                <a:schemeClr val="tx1">
-                  <a:lumMod val="65000"/>
-                  <a:lumOff val="35000"/>
-                </a:schemeClr>
-              </a:solidFill>
-              <a:latin typeface="+mn-lt"/>
-              <a:ea typeface="+mn-ea"/>
-              <a:cs typeface="+mn-cs"/>
-            </a:endParaRPr>
-          </a:p>
-          <a:p>
-            <a:pPr algn="l"/>
-            <a:r>
-              <a:rPr lang="en-US" altLang="zh-CN" sz="1800" dirty="0">
-                <a:solidFill>
-                  <a:schemeClr val="tx1">
-                    <a:lumMod val="65000"/>
-                    <a:lumOff val="35000"/>
-                  </a:schemeClr>
-                </a:solidFill>
-                <a:latin typeface="+mn-lt"/>
-                <a:ea typeface="+mn-ea"/>
-                <a:cs typeface="+mn-cs"/>
-              </a:rPr>
-              <a:t>5. </a:t>
-            </a:r>
-            <a:r>
-              <a:rPr lang="zh-CN" altLang="en-US" sz="1800" dirty="0">
-                <a:solidFill>
-                  <a:schemeClr val="tx1">
-                    <a:lumMod val="65000"/>
-                    <a:lumOff val="35000"/>
-                  </a:schemeClr>
-                </a:solidFill>
-                <a:latin typeface="+mn-lt"/>
-                <a:ea typeface="+mn-ea"/>
-                <a:cs typeface="+mn-cs"/>
-              </a:rPr>
-              <a:t>通过</a:t>
-            </a:r>
-            <a:r>
-              <a:rPr lang="en-US" altLang="zh-CN" sz="1800" dirty="0">
-                <a:solidFill>
-                  <a:schemeClr val="tx1">
-                    <a:lumMod val="65000"/>
-                    <a:lumOff val="35000"/>
-                  </a:schemeClr>
-                </a:solidFill>
-                <a:latin typeface="+mn-lt"/>
-                <a:ea typeface="+mn-ea"/>
-                <a:cs typeface="+mn-cs"/>
-              </a:rPr>
-              <a:t>mapper</a:t>
-            </a:r>
-            <a:r>
-              <a:rPr lang="zh-CN" altLang="en-US" sz="1800" dirty="0">
-                <a:solidFill>
-                  <a:schemeClr val="tx1">
-                    <a:lumMod val="65000"/>
-                    <a:lumOff val="35000"/>
-                  </a:schemeClr>
-                </a:solidFill>
-                <a:latin typeface="+mn-lt"/>
-                <a:ea typeface="+mn-ea"/>
-                <a:cs typeface="+mn-cs"/>
-              </a:rPr>
-              <a:t>对象执行对应数据的怎删改查操作</a:t>
-            </a:r>
-            <a:endParaRPr lang="zh-CN" altLang="en-US" sz="1800" dirty="0">
-              <a:solidFill>
-                <a:schemeClr val="tx1">
-                  <a:lumMod val="65000"/>
-                  <a:lumOff val="35000"/>
-                </a:schemeClr>
-              </a:solidFill>
-              <a:latin typeface="+mn-lt"/>
-              <a:ea typeface="+mn-ea"/>
-              <a:cs typeface="+mn-cs"/>
-            </a:endParaRPr>
-          </a:p>
-        </p:txBody>
-      </p:sp>
-    </p:spTree>
-  </p:cSld>
-  <p:clrMapOvr>
-    <a:masterClrMapping/>
-  </p:clrMapOvr>
-</p:sld>
-</file>
-
-<file path=ppt/slides/slide19.xml><?xml version="1.0" encoding="utf-8"?>
-<p:sld xmlns:a="http://schemas.openxmlformats.org/drawingml/2006/main" xmlns:r="http://schemas.openxmlformats.org/officeDocument/2006/relationships" xmlns:p="http://schemas.openxmlformats.org/presentationml/2006/main">
-  <p:cSld>
-    <p:spTree>
-      <p:nvGrpSpPr>
-        <p:cNvPr id="1" name=""/>
-        <p:cNvGrpSpPr/>
-        <p:nvPr/>
-      </p:nvGrpSpPr>
-      <p:grpSpPr/>
-      <p:sp>
-        <p:nvSpPr>
-          <p:cNvPr id="2" name="标题 1"/>
-          <p:cNvSpPr>
-            <a:spLocks noGrp="1"/>
-          </p:cNvSpPr>
-          <p:nvPr>
-            <p:ph type="title"/>
-          </p:nvPr>
-        </p:nvSpPr>
-        <p:spPr>
-          <a:xfrm>
-            <a:off x="7701915" y="1566545"/>
-            <a:ext cx="4152900" cy="4506595"/>
-          </a:xfrm>
-        </p:spPr>
-        <p:txBody>
-          <a:bodyPr>
-            <a:normAutofit fontScale="90000"/>
-          </a:bodyPr>
-          <a:p>
-            <a:r>
-              <a:rPr lang="en-US" sz="2000"/>
-              <a:t>1. </a:t>
-            </a:r>
-            <a:r>
-              <a:rPr lang="zh-CN" altLang="en-US" sz="2000"/>
-              <a:t>应用接口调用</a:t>
-            </a:r>
-            <a:r>
-              <a:rPr lang="en-US" altLang="zh-CN" sz="2000"/>
-              <a:t>SqlSession</a:t>
-            </a:r>
-            <a:r>
-              <a:rPr lang="zh-CN" altLang="en-US" sz="2000"/>
-              <a:t>的</a:t>
-            </a:r>
-            <a:r>
-              <a:rPr lang="en-US" altLang="zh-CN" sz="2000"/>
-              <a:t>getMapper(clazz) </a:t>
-            </a:r>
-            <a:r>
-              <a:rPr lang="zh-CN" altLang="en-US" sz="2000"/>
-              <a:t>接口创建对象</a:t>
-            </a:r>
-            <a:br>
-              <a:rPr lang="zh-CN" altLang="en-US" sz="2000"/>
-            </a:br>
-            <a:r>
-              <a:rPr lang="en-US" altLang="zh-CN" sz="2000"/>
-              <a:t>2. SqlSession</a:t>
-            </a:r>
-            <a:r>
-              <a:rPr lang="zh-CN" altLang="en-US" sz="2000"/>
-              <a:t>从全局配置</a:t>
-            </a:r>
-            <a:r>
-              <a:rPr lang="en-US" altLang="zh-CN" sz="2000"/>
-              <a:t>Configuration</a:t>
-            </a:r>
-            <a:r>
-              <a:rPr lang="zh-CN" altLang="en-US" sz="2000"/>
-              <a:t>中</a:t>
-            </a:r>
-            <a:r>
-              <a:rPr lang="en-US" altLang="zh-CN" sz="2000"/>
-              <a:t>, </a:t>
-            </a:r>
-            <a:r>
-              <a:rPr lang="zh-CN" altLang="en-US" sz="2000"/>
-              <a:t>通过</a:t>
-            </a:r>
-            <a:r>
-              <a:rPr lang="en-US" altLang="zh-CN" sz="2000"/>
-              <a:t>getMapper(clazz, sqlSession)</a:t>
-            </a:r>
-            <a:r>
-              <a:rPr lang="zh-CN" altLang="en-US" sz="2000"/>
-              <a:t>创建指定对象</a:t>
-            </a:r>
-            <a:br>
-              <a:rPr lang="zh-CN" altLang="en-US" sz="2000"/>
-            </a:br>
-            <a:r>
-              <a:rPr lang="en-US" altLang="zh-CN" sz="2000"/>
-              <a:t>3. </a:t>
-            </a:r>
-            <a:r>
-              <a:rPr lang="zh-CN" altLang="en-US" sz="2000"/>
-              <a:t>通过</a:t>
-            </a:r>
-            <a:r>
-              <a:rPr lang="en-US" altLang="zh-CN" sz="2000"/>
-              <a:t>MapperRegistry</a:t>
-            </a:r>
-            <a:r>
-              <a:rPr lang="zh-CN" altLang="en-US" sz="2000"/>
-              <a:t>的</a:t>
-            </a:r>
-            <a:r>
-              <a:rPr lang="en-US" altLang="zh-CN" sz="2000"/>
-              <a:t>newInstance(sqlSession)</a:t>
-            </a:r>
-            <a:r>
-              <a:rPr lang="zh-CN" altLang="en-US" sz="2000"/>
-              <a:t>创建指定对象</a:t>
-            </a:r>
-            <a:br>
-              <a:rPr lang="zh-CN" altLang="en-US" sz="2000"/>
-            </a:br>
-            <a:r>
-              <a:rPr lang="en-US" altLang="zh-CN" sz="2000"/>
-              <a:t>4. </a:t>
-            </a:r>
-            <a:r>
-              <a:rPr lang="zh-CN" altLang="en-US" sz="2000"/>
-              <a:t>通过</a:t>
-            </a:r>
-            <a:r>
-              <a:rPr lang="en-US" altLang="zh-CN" sz="2000"/>
-              <a:t>MapperProxyFactory</a:t>
-            </a:r>
-            <a:r>
-              <a:rPr lang="zh-CN" altLang="en-US" sz="2000"/>
-              <a:t>的</a:t>
-            </a:r>
-            <a:r>
-              <a:rPr lang="en-US" altLang="zh-CN" sz="2000"/>
-              <a:t>newProxyInstance(classLoader,clazz[], handler)</a:t>
-            </a:r>
-            <a:r>
-              <a:rPr lang="zh-CN" altLang="en-US" sz="2000"/>
-              <a:t>创建代理对象</a:t>
-            </a:r>
-            <a:r>
-              <a:rPr lang="en-US" altLang="zh-CN" sz="2000"/>
-              <a:t>(</a:t>
-            </a:r>
-            <a:r>
-              <a:rPr lang="zh-CN" altLang="en-US" sz="2000"/>
-              <a:t>默认通过</a:t>
-            </a:r>
-            <a:r>
-              <a:rPr lang="en-US" altLang="zh-CN" sz="2000"/>
-              <a:t>JavaAssist</a:t>
-            </a:r>
-            <a:r>
-              <a:rPr lang="zh-CN" altLang="en-US" sz="2000"/>
-              <a:t>方式</a:t>
-            </a:r>
-            <a:r>
-              <a:rPr lang="en-US" altLang="zh-CN" sz="2000"/>
-              <a:t>)</a:t>
-            </a:r>
-            <a:br>
-              <a:rPr lang="en-US" altLang="zh-CN" sz="2000"/>
-            </a:br>
-            <a:r>
-              <a:rPr lang="en-US" altLang="zh-CN" sz="2000"/>
-              <a:t>5. </a:t>
-            </a:r>
-            <a:r>
-              <a:rPr lang="zh-CN" altLang="en-US" sz="2000"/>
-              <a:t>逐步返回创建的指定类的对象</a:t>
-            </a:r>
-            <a:r>
-              <a:rPr lang="en-US" altLang="zh-CN" sz="2000"/>
-              <a:t>Object</a:t>
-            </a:r>
-            <a:endParaRPr lang="en-US" altLang="zh-CN" sz="2000"/>
-          </a:p>
-        </p:txBody>
-      </p:sp>
-      <p:pic>
-        <p:nvPicPr>
-          <p:cNvPr id="4" name="内容占位符 3"/>
-          <p:cNvPicPr>
-            <a:picLocks noChangeAspect="1"/>
-          </p:cNvPicPr>
-          <p:nvPr>
-            <p:ph idx="1"/>
-          </p:nvPr>
-        </p:nvPicPr>
-        <p:blipFill>
-          <a:blip r:embed="rId1"/>
-          <a:stretch>
-            <a:fillRect/>
-          </a:stretch>
-        </p:blipFill>
-        <p:spPr>
-          <a:xfrm>
-            <a:off x="1053465" y="1327785"/>
-            <a:ext cx="6437630" cy="4963795"/>
-          </a:xfrm>
-          <a:prstGeom prst="rect">
-            <a:avLst/>
-          </a:prstGeom>
-        </p:spPr>
-      </p:pic>
-      <p:sp>
-        <p:nvSpPr>
-          <p:cNvPr id="5" name="标题 1"/>
-          <p:cNvSpPr>
-            <a:spLocks noGrp="1"/>
-          </p:cNvSpPr>
-          <p:nvPr/>
-        </p:nvSpPr>
-        <p:spPr>
-          <a:xfrm>
-            <a:off x="1680210" y="607060"/>
-            <a:ext cx="8911590" cy="847725"/>
-          </a:xfrm>
-          <a:prstGeom prst="rect">
-            <a:avLst/>
-          </a:prstGeom>
-        </p:spPr>
-        <p:txBody>
-          <a:bodyPr vert="horz" lIns="91440" tIns="45720" rIns="91440" bIns="45720" rtlCol="0" anchor="t">
-            <a:normAutofit/>
-          </a:bodyPr>
-          <a:lstStyle>
-            <a:lvl1pPr algn="l" defTabSz="457200" rtl="0" eaLnBrk="1" latinLnBrk="0" hangingPunct="1">
-              <a:spcBef>
-                <a:spcPct val="0"/>
-              </a:spcBef>
-              <a:buNone/>
-              <a:defRPr sz="3600" kern="1200">
-                <a:solidFill>
-                  <a:schemeClr val="tx1">
-                    <a:lumMod val="85000"/>
-                    <a:lumOff val="15000"/>
-                  </a:schemeClr>
-                </a:solidFill>
-                <a:latin typeface="+mj-lt"/>
-                <a:ea typeface="+mj-ea"/>
-                <a:cs typeface="+mj-cs"/>
-              </a:defRPr>
-            </a:lvl1pPr>
-            <a:lvl2pPr eaLnBrk="1" hangingPunct="1">
-              <a:defRPr>
-                <a:solidFill>
-                  <a:schemeClr val="tx2"/>
-                </a:solidFill>
-              </a:defRPr>
-            </a:lvl2pPr>
-            <a:lvl3pPr eaLnBrk="1" hangingPunct="1">
-              <a:defRPr>
-                <a:solidFill>
-                  <a:schemeClr val="tx2"/>
-                </a:solidFill>
-              </a:defRPr>
-            </a:lvl3pPr>
-            <a:lvl4pPr eaLnBrk="1" hangingPunct="1">
-              <a:defRPr>
-                <a:solidFill>
-                  <a:schemeClr val="tx2"/>
-                </a:solidFill>
-              </a:defRPr>
-            </a:lvl4pPr>
-            <a:lvl5pPr eaLnBrk="1" hangingPunct="1">
-              <a:defRPr>
-                <a:solidFill>
-                  <a:schemeClr val="tx2"/>
-                </a:solidFill>
-              </a:defRPr>
-            </a:lvl5pPr>
-            <a:lvl6pPr eaLnBrk="1" hangingPunct="1">
-              <a:defRPr>
-                <a:solidFill>
-                  <a:schemeClr val="tx2"/>
-                </a:solidFill>
-              </a:defRPr>
-            </a:lvl6pPr>
-            <a:lvl7pPr eaLnBrk="1" hangingPunct="1">
-              <a:defRPr>
-                <a:solidFill>
-                  <a:schemeClr val="tx2"/>
-                </a:solidFill>
-              </a:defRPr>
-            </a:lvl7pPr>
-            <a:lvl8pPr eaLnBrk="1" hangingPunct="1">
-              <a:defRPr>
-                <a:solidFill>
-                  <a:schemeClr val="tx2"/>
-                </a:solidFill>
-              </a:defRPr>
-            </a:lvl8pPr>
-            <a:lvl9pPr eaLnBrk="1" hangingPunct="1">
-              <a:defRPr>
-                <a:solidFill>
-                  <a:schemeClr val="tx2"/>
-                </a:solidFill>
-              </a:defRPr>
-            </a:lvl9pPr>
-          </a:lstStyle>
-          <a:p>
-            <a:r>
-              <a:rPr lang="en-US" altLang="zh-CN" sz="2800"/>
-              <a:t>SqlSession</a:t>
-            </a:r>
-            <a:r>
-              <a:rPr lang="zh-CN" altLang="en-US" sz="2800"/>
-              <a:t>通过</a:t>
-            </a:r>
-            <a:r>
-              <a:rPr lang="en-US" altLang="zh-CN" sz="2800"/>
-              <a:t>getMapper()</a:t>
-            </a:r>
-            <a:r>
-              <a:rPr lang="zh-CN" altLang="en-US" sz="2800"/>
-              <a:t>获得指定对象的调用链路</a:t>
-            </a:r>
-            <a:endParaRPr lang="zh-CN" altLang="en-US" sz="2800"/>
-          </a:p>
-        </p:txBody>
-      </p:sp>
     </p:spTree>
   </p:cSld>
   <p:clrMapOvr>
@@ -16791,6 +16321,1676 @@
       </p:grpSpPr>
       <p:sp>
         <p:nvSpPr>
+          <p:cNvPr id="2" name="标题 1"/>
+          <p:cNvSpPr>
+            <a:spLocks noGrp="1"/>
+          </p:cNvSpPr>
+          <p:nvPr>
+            <p:ph type="ctrTitle"/>
+          </p:nvPr>
+        </p:nvSpPr>
+        <p:spPr>
+          <a:xfrm>
+            <a:off x="1231900" y="1377315"/>
+            <a:ext cx="9579610" cy="3539490"/>
+          </a:xfrm>
+        </p:spPr>
+        <p:txBody>
+          <a:bodyPr>
+            <a:normAutofit fontScale="90000"/>
+          </a:bodyPr>
+          <a:lstStyle/>
+          <a:p>
+            <a:pPr algn="l"/>
+            <a:br>
+              <a:rPr sz="1800" dirty="0">
+                <a:solidFill>
+                  <a:schemeClr val="tx1">
+                    <a:lumMod val="65000"/>
+                    <a:lumOff val="35000"/>
+                  </a:schemeClr>
+                </a:solidFill>
+                <a:latin typeface="+mn-lt"/>
+                <a:ea typeface="+mn-ea"/>
+                <a:cs typeface="+mn-cs"/>
+              </a:rPr>
+            </a:br>
+            <a:br>
+              <a:rPr sz="1800" dirty="0">
+                <a:solidFill>
+                  <a:schemeClr val="tx1">
+                    <a:lumMod val="65000"/>
+                    <a:lumOff val="35000"/>
+                  </a:schemeClr>
+                </a:solidFill>
+                <a:latin typeface="+mn-lt"/>
+                <a:ea typeface="+mn-ea"/>
+                <a:cs typeface="+mn-cs"/>
+              </a:rPr>
+            </a:br>
+            <a:br>
+              <a:rPr sz="1800" dirty="0">
+                <a:solidFill>
+                  <a:schemeClr val="tx1">
+                    <a:lumMod val="65000"/>
+                    <a:lumOff val="35000"/>
+                  </a:schemeClr>
+                </a:solidFill>
+                <a:latin typeface="+mn-lt"/>
+                <a:ea typeface="+mn-ea"/>
+                <a:cs typeface="+mn-cs"/>
+              </a:rPr>
+            </a:br>
+            <a:r>
+              <a:rPr lang="zh-CN" sz="1800" dirty="0">
+                <a:solidFill>
+                  <a:schemeClr val="tx1">
+                    <a:lumMod val="65000"/>
+                    <a:lumOff val="35000"/>
+                  </a:schemeClr>
+                </a:solidFill>
+                <a:latin typeface="+mn-lt"/>
+                <a:ea typeface="+mn-ea"/>
+                <a:cs typeface="+mn-cs"/>
+              </a:rPr>
+              <a:t>测试用例包路径</a:t>
+            </a:r>
+            <a:r>
+              <a:rPr lang="en-US" altLang="zh-CN" sz="1800" dirty="0">
+                <a:solidFill>
+                  <a:schemeClr val="tx1">
+                    <a:lumMod val="65000"/>
+                    <a:lumOff val="35000"/>
+                  </a:schemeClr>
+                </a:solidFill>
+                <a:latin typeface="+mn-lt"/>
+                <a:ea typeface="+mn-ea"/>
+                <a:cs typeface="+mn-cs"/>
+              </a:rPr>
+              <a:t>: org.apache.ibatis.session.SqlSessionTest</a:t>
+            </a:r>
+            <a:br>
+              <a:rPr sz="1800" dirty="0">
+                <a:solidFill>
+                  <a:schemeClr val="tx1">
+                    <a:lumMod val="65000"/>
+                    <a:lumOff val="35000"/>
+                  </a:schemeClr>
+                </a:solidFill>
+                <a:latin typeface="+mn-lt"/>
+                <a:ea typeface="+mn-ea"/>
+                <a:cs typeface="+mn-cs"/>
+              </a:rPr>
+            </a:br>
+            <a:r>
+              <a:rPr sz="1800" dirty="0">
+                <a:solidFill>
+                  <a:schemeClr val="tx1">
+                    <a:lumMod val="65000"/>
+                    <a:lumOff val="35000"/>
+                  </a:schemeClr>
+                </a:solidFill>
+                <a:latin typeface="+mn-lt"/>
+                <a:ea typeface="+mn-ea"/>
+                <a:cs typeface="+mn-cs"/>
+              </a:rPr>
+              <a:t>  @Test</a:t>
+            </a:r>
+            <a:br>
+              <a:rPr sz="1800" dirty="0">
+                <a:solidFill>
+                  <a:schemeClr val="tx1">
+                    <a:lumMod val="65000"/>
+                    <a:lumOff val="35000"/>
+                  </a:schemeClr>
+                </a:solidFill>
+                <a:latin typeface="+mn-lt"/>
+                <a:ea typeface="+mn-ea"/>
+                <a:cs typeface="+mn-cs"/>
+              </a:rPr>
+            </a:br>
+            <a:r>
+              <a:rPr sz="1800" dirty="0">
+                <a:solidFill>
+                  <a:schemeClr val="tx1">
+                    <a:lumMod val="65000"/>
+                    <a:lumOff val="35000"/>
+                  </a:schemeClr>
+                </a:solidFill>
+                <a:latin typeface="+mn-lt"/>
+                <a:ea typeface="+mn-ea"/>
+                <a:cs typeface="+mn-cs"/>
+              </a:rPr>
+              <a:t>  void shouldSelectAuthorsUsingMapperClass() {</a:t>
+            </a:r>
+            <a:br>
+              <a:rPr sz="1800" dirty="0">
+                <a:solidFill>
+                  <a:schemeClr val="tx1">
+                    <a:lumMod val="65000"/>
+                    <a:lumOff val="35000"/>
+                  </a:schemeClr>
+                </a:solidFill>
+                <a:latin typeface="+mn-lt"/>
+                <a:ea typeface="+mn-ea"/>
+                <a:cs typeface="+mn-cs"/>
+              </a:rPr>
+            </a:br>
+            <a:r>
+              <a:rPr sz="1800" dirty="0">
+                <a:solidFill>
+                  <a:schemeClr val="tx1">
+                    <a:lumMod val="65000"/>
+                    <a:lumOff val="35000"/>
+                  </a:schemeClr>
+                </a:solidFill>
+                <a:latin typeface="+mn-lt"/>
+                <a:ea typeface="+mn-ea"/>
+                <a:cs typeface="+mn-cs"/>
+              </a:rPr>
+              <a:t>    </a:t>
+            </a:r>
+            <a:r>
+              <a:rPr lang="en-US" sz="1800" dirty="0">
+                <a:solidFill>
+                  <a:schemeClr val="tx1">
+                    <a:lumMod val="65000"/>
+                    <a:lumOff val="35000"/>
+                  </a:schemeClr>
+                </a:solidFill>
+                <a:latin typeface="+mn-lt"/>
+                <a:ea typeface="+mn-ea"/>
+                <a:cs typeface="+mn-cs"/>
+              </a:rPr>
+              <a:t>final String resource = "org/apache/ibatis/builder/MapperConfig.xml"; // </a:t>
+            </a:r>
+            <a:r>
+              <a:rPr lang="zh-CN" altLang="en-US" sz="1800" dirty="0">
+                <a:solidFill>
+                  <a:schemeClr val="tx1">
+                    <a:lumMod val="65000"/>
+                    <a:lumOff val="35000"/>
+                  </a:schemeClr>
+                </a:solidFill>
+                <a:latin typeface="+mn-lt"/>
+                <a:ea typeface="+mn-ea"/>
+                <a:cs typeface="+mn-cs"/>
+              </a:rPr>
+              <a:t>配置文件位置</a:t>
+            </a:r>
+            <a:br>
+              <a:rPr lang="en-US" sz="1800" dirty="0">
+                <a:solidFill>
+                  <a:schemeClr val="tx1">
+                    <a:lumMod val="65000"/>
+                    <a:lumOff val="35000"/>
+                  </a:schemeClr>
+                </a:solidFill>
+                <a:latin typeface="+mn-lt"/>
+                <a:ea typeface="+mn-ea"/>
+                <a:cs typeface="+mn-cs"/>
+              </a:rPr>
+            </a:br>
+            <a:r>
+              <a:rPr lang="en-US" sz="1800" dirty="0">
+                <a:solidFill>
+                  <a:schemeClr val="tx1">
+                    <a:lumMod val="65000"/>
+                    <a:lumOff val="35000"/>
+                  </a:schemeClr>
+                </a:solidFill>
+                <a:latin typeface="+mn-lt"/>
+                <a:ea typeface="+mn-ea"/>
+                <a:cs typeface="+mn-cs"/>
+              </a:rPr>
+              <a:t>    final Reader reader = Resources.getResourceAsReader(resource);  // </a:t>
+            </a:r>
+            <a:r>
+              <a:rPr lang="zh-CN" altLang="en-US" sz="1800" dirty="0">
+                <a:solidFill>
+                  <a:schemeClr val="tx1">
+                    <a:lumMod val="65000"/>
+                    <a:lumOff val="35000"/>
+                  </a:schemeClr>
+                </a:solidFill>
+                <a:latin typeface="+mn-lt"/>
+                <a:ea typeface="+mn-ea"/>
+                <a:cs typeface="+mn-cs"/>
+              </a:rPr>
+              <a:t>加载配置文件</a:t>
+            </a:r>
+            <a:br>
+              <a:rPr lang="en-US" sz="1800" dirty="0">
+                <a:solidFill>
+                  <a:schemeClr val="tx1">
+                    <a:lumMod val="65000"/>
+                    <a:lumOff val="35000"/>
+                  </a:schemeClr>
+                </a:solidFill>
+                <a:latin typeface="+mn-lt"/>
+                <a:ea typeface="+mn-ea"/>
+                <a:cs typeface="+mn-cs"/>
+              </a:rPr>
+            </a:br>
+            <a:r>
+              <a:rPr lang="en-US" sz="1800" dirty="0">
+                <a:solidFill>
+                  <a:schemeClr val="tx1">
+                    <a:lumMod val="65000"/>
+                    <a:lumOff val="35000"/>
+                  </a:schemeClr>
+                </a:solidFill>
+                <a:latin typeface="+mn-lt"/>
+                <a:ea typeface="+mn-ea"/>
+                <a:cs typeface="+mn-cs"/>
+              </a:rPr>
+              <a:t>    sqlMapper = new SqlSessionFactoryBuilder().build(reader); // </a:t>
+            </a:r>
+            <a:r>
+              <a:rPr lang="zh-CN" altLang="en-US" sz="1800" dirty="0">
+                <a:solidFill>
+                  <a:schemeClr val="tx1">
+                    <a:lumMod val="65000"/>
+                    <a:lumOff val="35000"/>
+                  </a:schemeClr>
+                </a:solidFill>
+                <a:latin typeface="+mn-lt"/>
+                <a:ea typeface="+mn-ea"/>
+                <a:cs typeface="+mn-cs"/>
+              </a:rPr>
+              <a:t>创建</a:t>
+            </a:r>
+            <a:r>
+              <a:rPr lang="en-US" altLang="zh-CN" sz="1800" dirty="0">
+                <a:solidFill>
+                  <a:schemeClr val="tx1">
+                    <a:lumMod val="65000"/>
+                    <a:lumOff val="35000"/>
+                  </a:schemeClr>
+                </a:solidFill>
+                <a:latin typeface="+mn-lt"/>
+                <a:ea typeface="+mn-ea"/>
+                <a:cs typeface="+mn-cs"/>
+              </a:rPr>
+              <a:t>SqlSessionFactory</a:t>
+            </a:r>
+            <a:br>
+              <a:rPr lang="en-US" sz="1800" dirty="0">
+                <a:solidFill>
+                  <a:schemeClr val="tx1">
+                    <a:lumMod val="65000"/>
+                    <a:lumOff val="35000"/>
+                  </a:schemeClr>
+                </a:solidFill>
+                <a:latin typeface="+mn-lt"/>
+                <a:ea typeface="+mn-ea"/>
+                <a:cs typeface="+mn-cs"/>
+              </a:rPr>
+            </a:br>
+            <a:br>
+              <a:rPr sz="1800" dirty="0">
+                <a:solidFill>
+                  <a:schemeClr val="tx1">
+                    <a:lumMod val="65000"/>
+                    <a:lumOff val="35000"/>
+                  </a:schemeClr>
+                </a:solidFill>
+                <a:latin typeface="+mn-lt"/>
+                <a:ea typeface="+mn-ea"/>
+                <a:cs typeface="+mn-cs"/>
+              </a:rPr>
+            </a:br>
+            <a:r>
+              <a:rPr sz="1800" dirty="0">
+                <a:solidFill>
+                  <a:schemeClr val="tx1">
+                    <a:lumMod val="65000"/>
+                    <a:lumOff val="35000"/>
+                  </a:schemeClr>
+                </a:solidFill>
+                <a:latin typeface="+mn-lt"/>
+                <a:ea typeface="+mn-ea"/>
+                <a:cs typeface="+mn-cs"/>
+              </a:rPr>
+              <a:t>    try (</a:t>
+            </a:r>
+            <a:r>
+              <a:rPr sz="1800" dirty="0">
+                <a:solidFill>
+                  <a:srgbClr val="FF0000"/>
+                </a:solidFill>
+                <a:latin typeface="+mn-lt"/>
+                <a:ea typeface="+mn-ea"/>
+                <a:cs typeface="+mn-cs"/>
+              </a:rPr>
+              <a:t>SqlSession session = sqlMapper.openSession()</a:t>
+            </a:r>
+            <a:r>
+              <a:rPr sz="1800" dirty="0">
+                <a:solidFill>
+                  <a:schemeClr val="tx1">
+                    <a:lumMod val="65000"/>
+                    <a:lumOff val="35000"/>
+                  </a:schemeClr>
+                </a:solidFill>
+                <a:latin typeface="+mn-lt"/>
+                <a:ea typeface="+mn-ea"/>
+                <a:cs typeface="+mn-cs"/>
+              </a:rPr>
+              <a:t>) { </a:t>
+            </a:r>
+            <a:r>
+              <a:rPr lang="en-US" sz="1800" dirty="0">
+                <a:solidFill>
+                  <a:schemeClr val="tx1">
+                    <a:lumMod val="65000"/>
+                    <a:lumOff val="35000"/>
+                  </a:schemeClr>
+                </a:solidFill>
+                <a:latin typeface="+mn-lt"/>
+                <a:ea typeface="+mn-ea"/>
+                <a:cs typeface="+mn-cs"/>
+              </a:rPr>
+              <a:t>// JDK8 lambda </a:t>
+            </a:r>
+            <a:r>
+              <a:rPr lang="zh-CN" altLang="en-US" sz="1800" dirty="0">
+                <a:solidFill>
+                  <a:schemeClr val="tx1">
+                    <a:lumMod val="65000"/>
+                    <a:lumOff val="35000"/>
+                  </a:schemeClr>
+                </a:solidFill>
+                <a:latin typeface="+mn-lt"/>
+                <a:ea typeface="+mn-ea"/>
+                <a:cs typeface="+mn-cs"/>
+              </a:rPr>
+              <a:t>创建</a:t>
+            </a:r>
+            <a:r>
+              <a:rPr lang="en-US" altLang="zh-CN" sz="1800" dirty="0">
+                <a:solidFill>
+                  <a:schemeClr val="tx1">
+                    <a:lumMod val="65000"/>
+                    <a:lumOff val="35000"/>
+                  </a:schemeClr>
+                </a:solidFill>
+                <a:latin typeface="+mn-lt"/>
+                <a:ea typeface="+mn-ea"/>
+                <a:cs typeface="+mn-cs"/>
+              </a:rPr>
+              <a:t>SqlSession</a:t>
+            </a:r>
+            <a:br>
+              <a:rPr sz="1800" dirty="0">
+                <a:solidFill>
+                  <a:schemeClr val="tx1">
+                    <a:lumMod val="65000"/>
+                    <a:lumOff val="35000"/>
+                  </a:schemeClr>
+                </a:solidFill>
+                <a:latin typeface="+mn-lt"/>
+                <a:ea typeface="+mn-ea"/>
+                <a:cs typeface="+mn-cs"/>
+              </a:rPr>
+            </a:br>
+            <a:r>
+              <a:rPr sz="1800" dirty="0">
+                <a:solidFill>
+                  <a:schemeClr val="tx1">
+                    <a:lumMod val="65000"/>
+                    <a:lumOff val="35000"/>
+                  </a:schemeClr>
+                </a:solidFill>
+                <a:latin typeface="+mn-lt"/>
+                <a:ea typeface="+mn-ea"/>
+                <a:cs typeface="+mn-cs"/>
+              </a:rPr>
+              <a:t>      AuthorMapper mapper = session.getMapper(AuthorMapper.class); </a:t>
+            </a:r>
+            <a:r>
+              <a:rPr lang="en-US" sz="1800" dirty="0">
+                <a:solidFill>
+                  <a:schemeClr val="tx1">
+                    <a:lumMod val="65000"/>
+                    <a:lumOff val="35000"/>
+                  </a:schemeClr>
+                </a:solidFill>
+                <a:latin typeface="+mn-lt"/>
+                <a:ea typeface="+mn-ea"/>
+                <a:cs typeface="+mn-cs"/>
+              </a:rPr>
+              <a:t>// </a:t>
+            </a:r>
+            <a:r>
+              <a:rPr lang="zh-CN" altLang="en-US" sz="1800" dirty="0">
+                <a:solidFill>
+                  <a:schemeClr val="tx1">
+                    <a:lumMod val="65000"/>
+                    <a:lumOff val="35000"/>
+                  </a:schemeClr>
+                </a:solidFill>
+                <a:latin typeface="+mn-lt"/>
+                <a:ea typeface="+mn-ea"/>
+                <a:cs typeface="+mn-cs"/>
+              </a:rPr>
+              <a:t>获得</a:t>
+            </a:r>
+            <a:r>
+              <a:rPr lang="en-US" altLang="zh-CN" sz="1800" dirty="0">
+                <a:solidFill>
+                  <a:schemeClr val="tx1">
+                    <a:lumMod val="65000"/>
+                    <a:lumOff val="35000"/>
+                  </a:schemeClr>
+                </a:solidFill>
+                <a:latin typeface="+mn-lt"/>
+                <a:ea typeface="+mn-ea"/>
+                <a:cs typeface="+mn-cs"/>
+              </a:rPr>
+              <a:t>Mapper</a:t>
+            </a:r>
+            <a:r>
+              <a:rPr lang="zh-CN" altLang="en-US" sz="1800" dirty="0">
+                <a:solidFill>
+                  <a:schemeClr val="tx1">
+                    <a:lumMod val="65000"/>
+                    <a:lumOff val="35000"/>
+                  </a:schemeClr>
+                </a:solidFill>
+                <a:latin typeface="+mn-lt"/>
+                <a:ea typeface="+mn-ea"/>
+                <a:cs typeface="+mn-cs"/>
+              </a:rPr>
+              <a:t>对象</a:t>
+            </a:r>
+            <a:br>
+              <a:rPr sz="1800" dirty="0">
+                <a:solidFill>
+                  <a:schemeClr val="tx1">
+                    <a:lumMod val="65000"/>
+                    <a:lumOff val="35000"/>
+                  </a:schemeClr>
+                </a:solidFill>
+                <a:latin typeface="+mn-lt"/>
+                <a:ea typeface="+mn-ea"/>
+                <a:cs typeface="+mn-cs"/>
+              </a:rPr>
+            </a:br>
+            <a:r>
+              <a:rPr sz="1800" dirty="0">
+                <a:solidFill>
+                  <a:schemeClr val="tx1">
+                    <a:lumMod val="65000"/>
+                    <a:lumOff val="35000"/>
+                  </a:schemeClr>
+                </a:solidFill>
+                <a:latin typeface="+mn-lt"/>
+                <a:ea typeface="+mn-ea"/>
+                <a:cs typeface="+mn-cs"/>
+              </a:rPr>
+              <a:t>      List&lt;Author&gt; authors = mapper.selectAllAuthors(); </a:t>
+            </a:r>
+            <a:r>
+              <a:rPr lang="en-US" sz="1800" dirty="0">
+                <a:solidFill>
+                  <a:schemeClr val="tx1">
+                    <a:lumMod val="65000"/>
+                    <a:lumOff val="35000"/>
+                  </a:schemeClr>
+                </a:solidFill>
+                <a:latin typeface="+mn-lt"/>
+                <a:ea typeface="+mn-ea"/>
+                <a:cs typeface="+mn-cs"/>
+              </a:rPr>
+              <a:t>// </a:t>
+            </a:r>
+            <a:r>
+              <a:rPr lang="zh-CN" altLang="en-US" sz="1800" dirty="0">
+                <a:solidFill>
+                  <a:schemeClr val="tx1">
+                    <a:lumMod val="65000"/>
+                    <a:lumOff val="35000"/>
+                  </a:schemeClr>
+                </a:solidFill>
+                <a:latin typeface="+mn-lt"/>
+                <a:ea typeface="+mn-ea"/>
+                <a:cs typeface="+mn-cs"/>
+              </a:rPr>
+              <a:t>执行查询操作</a:t>
+            </a:r>
+            <a:br>
+              <a:rPr sz="1800" dirty="0">
+                <a:solidFill>
+                  <a:schemeClr val="tx1">
+                    <a:lumMod val="65000"/>
+                    <a:lumOff val="35000"/>
+                  </a:schemeClr>
+                </a:solidFill>
+                <a:latin typeface="+mn-lt"/>
+                <a:ea typeface="+mn-ea"/>
+                <a:cs typeface="+mn-cs"/>
+              </a:rPr>
+            </a:br>
+            <a:r>
+              <a:rPr sz="1800" dirty="0">
+                <a:solidFill>
+                  <a:schemeClr val="tx1">
+                    <a:lumMod val="65000"/>
+                    <a:lumOff val="35000"/>
+                  </a:schemeClr>
+                </a:solidFill>
+                <a:latin typeface="+mn-lt"/>
+                <a:ea typeface="+mn-ea"/>
+                <a:cs typeface="+mn-cs"/>
+              </a:rPr>
+              <a:t>      assertEquals(2, authors.size());</a:t>
+            </a:r>
+            <a:br>
+              <a:rPr sz="1800" dirty="0">
+                <a:solidFill>
+                  <a:schemeClr val="tx1">
+                    <a:lumMod val="65000"/>
+                    <a:lumOff val="35000"/>
+                  </a:schemeClr>
+                </a:solidFill>
+                <a:latin typeface="+mn-lt"/>
+                <a:ea typeface="+mn-ea"/>
+                <a:cs typeface="+mn-cs"/>
+              </a:rPr>
+            </a:br>
+            <a:r>
+              <a:rPr sz="1800" dirty="0">
+                <a:solidFill>
+                  <a:schemeClr val="tx1">
+                    <a:lumMod val="65000"/>
+                    <a:lumOff val="35000"/>
+                  </a:schemeClr>
+                </a:solidFill>
+                <a:latin typeface="+mn-lt"/>
+                <a:ea typeface="+mn-ea"/>
+                <a:cs typeface="+mn-cs"/>
+              </a:rPr>
+              <a:t>    }</a:t>
+            </a:r>
+            <a:br>
+              <a:rPr sz="1800" dirty="0">
+                <a:solidFill>
+                  <a:schemeClr val="tx1">
+                    <a:lumMod val="65000"/>
+                    <a:lumOff val="35000"/>
+                  </a:schemeClr>
+                </a:solidFill>
+                <a:latin typeface="+mn-lt"/>
+                <a:ea typeface="+mn-ea"/>
+                <a:cs typeface="+mn-cs"/>
+              </a:rPr>
+            </a:br>
+            <a:r>
+              <a:rPr sz="1800" dirty="0">
+                <a:solidFill>
+                  <a:schemeClr val="tx1">
+                    <a:lumMod val="65000"/>
+                    <a:lumOff val="35000"/>
+                  </a:schemeClr>
+                </a:solidFill>
+                <a:latin typeface="+mn-lt"/>
+                <a:ea typeface="+mn-ea"/>
+                <a:cs typeface="+mn-cs"/>
+              </a:rPr>
+              <a:t>  }</a:t>
+            </a:r>
+            <a:endParaRPr sz="1800" dirty="0">
+              <a:solidFill>
+                <a:schemeClr val="tx1">
+                  <a:lumMod val="65000"/>
+                  <a:lumOff val="35000"/>
+                </a:schemeClr>
+              </a:solidFill>
+              <a:latin typeface="+mn-lt"/>
+              <a:ea typeface="+mn-ea"/>
+              <a:cs typeface="+mn-cs"/>
+            </a:endParaRPr>
+          </a:p>
+        </p:txBody>
+      </p:sp>
+      <p:sp>
+        <p:nvSpPr>
+          <p:cNvPr id="4" name="标题 1"/>
+          <p:cNvSpPr>
+            <a:spLocks noGrp="1"/>
+          </p:cNvSpPr>
+          <p:nvPr/>
+        </p:nvSpPr>
+        <p:spPr>
+          <a:xfrm>
+            <a:off x="432095" y="560041"/>
+            <a:ext cx="8782438" cy="742235"/>
+          </a:xfrm>
+          <a:prstGeom prst="rect">
+            <a:avLst/>
+          </a:prstGeom>
+        </p:spPr>
+        <p:txBody>
+          <a:bodyPr vert="horz" lIns="91440" tIns="45720" rIns="91440" bIns="45720" rtlCol="0" anchor="t">
+            <a:normAutofit fontScale="90000"/>
+          </a:bodyPr>
+          <a:lstStyle>
+            <a:lvl1pPr algn="l" defTabSz="457200" rtl="0" eaLnBrk="1" latinLnBrk="0" hangingPunct="1">
+              <a:spcBef>
+                <a:spcPct val="0"/>
+              </a:spcBef>
+              <a:buNone/>
+              <a:defRPr sz="3600" kern="1200">
+                <a:solidFill>
+                  <a:schemeClr val="tx1">
+                    <a:lumMod val="85000"/>
+                    <a:lumOff val="15000"/>
+                  </a:schemeClr>
+                </a:solidFill>
+                <a:latin typeface="+mj-lt"/>
+                <a:ea typeface="+mj-ea"/>
+                <a:cs typeface="+mj-cs"/>
+              </a:defRPr>
+            </a:lvl1pPr>
+            <a:lvl2pPr eaLnBrk="1" hangingPunct="1">
+              <a:defRPr>
+                <a:solidFill>
+                  <a:schemeClr val="tx2"/>
+                </a:solidFill>
+              </a:defRPr>
+            </a:lvl2pPr>
+            <a:lvl3pPr eaLnBrk="1" hangingPunct="1">
+              <a:defRPr>
+                <a:solidFill>
+                  <a:schemeClr val="tx2"/>
+                </a:solidFill>
+              </a:defRPr>
+            </a:lvl3pPr>
+            <a:lvl4pPr eaLnBrk="1" hangingPunct="1">
+              <a:defRPr>
+                <a:solidFill>
+                  <a:schemeClr val="tx2"/>
+                </a:solidFill>
+              </a:defRPr>
+            </a:lvl4pPr>
+            <a:lvl5pPr eaLnBrk="1" hangingPunct="1">
+              <a:defRPr>
+                <a:solidFill>
+                  <a:schemeClr val="tx2"/>
+                </a:solidFill>
+              </a:defRPr>
+            </a:lvl5pPr>
+            <a:lvl6pPr eaLnBrk="1" hangingPunct="1">
+              <a:defRPr>
+                <a:solidFill>
+                  <a:schemeClr val="tx2"/>
+                </a:solidFill>
+              </a:defRPr>
+            </a:lvl6pPr>
+            <a:lvl7pPr eaLnBrk="1" hangingPunct="1">
+              <a:defRPr>
+                <a:solidFill>
+                  <a:schemeClr val="tx2"/>
+                </a:solidFill>
+              </a:defRPr>
+            </a:lvl7pPr>
+            <a:lvl8pPr eaLnBrk="1" hangingPunct="1">
+              <a:defRPr>
+                <a:solidFill>
+                  <a:schemeClr val="tx2"/>
+                </a:solidFill>
+              </a:defRPr>
+            </a:lvl8pPr>
+            <a:lvl9pPr eaLnBrk="1" hangingPunct="1">
+              <a:defRPr>
+                <a:solidFill>
+                  <a:schemeClr val="tx2"/>
+                </a:solidFill>
+              </a:defRPr>
+            </a:lvl9pPr>
+          </a:lstStyle>
+          <a:p>
+            <a:r>
+              <a:rPr lang="en-US" altLang="zh-CN" dirty="0"/>
+              <a:t>SqlSession</a:t>
+            </a:r>
+            <a:r>
+              <a:rPr lang="zh-CN" altLang="en-US" dirty="0"/>
+              <a:t>实例</a:t>
+            </a:r>
+            <a:r>
+              <a:rPr lang="zh-CN" altLang="en-US" dirty="0"/>
+              <a:t>代码</a:t>
+            </a:r>
+            <a:endParaRPr lang="zh-CN" altLang="en-US" dirty="0"/>
+          </a:p>
+          <a:p>
+            <a:endParaRPr lang="zh-CN" altLang="en-US" dirty="0"/>
+          </a:p>
+        </p:txBody>
+      </p:sp>
+      <p:sp>
+        <p:nvSpPr>
+          <p:cNvPr id="3" name="标题 1"/>
+          <p:cNvSpPr>
+            <a:spLocks noGrp="1"/>
+          </p:cNvSpPr>
+          <p:nvPr/>
+        </p:nvSpPr>
+        <p:spPr>
+          <a:xfrm>
+            <a:off x="1741170" y="4916805"/>
+            <a:ext cx="9354185" cy="1708150"/>
+          </a:xfrm>
+          <a:prstGeom prst="rect">
+            <a:avLst/>
+          </a:prstGeom>
+        </p:spPr>
+        <p:txBody>
+          <a:bodyPr vert="horz" lIns="91440" tIns="45720" rIns="91440" bIns="45720" rtlCol="0" anchor="b">
+            <a:normAutofit lnSpcReduction="10000"/>
+          </a:bodyPr>
+          <a:lstStyle>
+            <a:lvl1pPr algn="l" defTabSz="457200" rtl="0" eaLnBrk="1" latinLnBrk="0" hangingPunct="1">
+              <a:spcBef>
+                <a:spcPct val="0"/>
+              </a:spcBef>
+              <a:buNone/>
+              <a:defRPr sz="5400" kern="1200">
+                <a:solidFill>
+                  <a:schemeClr val="tx1">
+                    <a:lumMod val="85000"/>
+                    <a:lumOff val="15000"/>
+                  </a:schemeClr>
+                </a:solidFill>
+                <a:latin typeface="+mj-lt"/>
+                <a:ea typeface="+mj-ea"/>
+                <a:cs typeface="+mj-cs"/>
+              </a:defRPr>
+            </a:lvl1pPr>
+            <a:lvl2pPr eaLnBrk="1" hangingPunct="1">
+              <a:defRPr>
+                <a:solidFill>
+                  <a:schemeClr val="tx2"/>
+                </a:solidFill>
+              </a:defRPr>
+            </a:lvl2pPr>
+            <a:lvl3pPr eaLnBrk="1" hangingPunct="1">
+              <a:defRPr>
+                <a:solidFill>
+                  <a:schemeClr val="tx2"/>
+                </a:solidFill>
+              </a:defRPr>
+            </a:lvl3pPr>
+            <a:lvl4pPr eaLnBrk="1" hangingPunct="1">
+              <a:defRPr>
+                <a:solidFill>
+                  <a:schemeClr val="tx2"/>
+                </a:solidFill>
+              </a:defRPr>
+            </a:lvl4pPr>
+            <a:lvl5pPr eaLnBrk="1" hangingPunct="1">
+              <a:defRPr>
+                <a:solidFill>
+                  <a:schemeClr val="tx2"/>
+                </a:solidFill>
+              </a:defRPr>
+            </a:lvl5pPr>
+            <a:lvl6pPr eaLnBrk="1" hangingPunct="1">
+              <a:defRPr>
+                <a:solidFill>
+                  <a:schemeClr val="tx2"/>
+                </a:solidFill>
+              </a:defRPr>
+            </a:lvl6pPr>
+            <a:lvl7pPr eaLnBrk="1" hangingPunct="1">
+              <a:defRPr>
+                <a:solidFill>
+                  <a:schemeClr val="tx2"/>
+                </a:solidFill>
+              </a:defRPr>
+            </a:lvl7pPr>
+            <a:lvl8pPr eaLnBrk="1" hangingPunct="1">
+              <a:defRPr>
+                <a:solidFill>
+                  <a:schemeClr val="tx2"/>
+                </a:solidFill>
+              </a:defRPr>
+            </a:lvl8pPr>
+            <a:lvl9pPr eaLnBrk="1" hangingPunct="1">
+              <a:defRPr>
+                <a:solidFill>
+                  <a:schemeClr val="tx2"/>
+                </a:solidFill>
+              </a:defRPr>
+            </a:lvl9pPr>
+          </a:lstStyle>
+          <a:p>
+            <a:pPr algn="l"/>
+            <a:r>
+              <a:rPr lang="en-US" altLang="zh-CN" sz="1800" dirty="0">
+                <a:solidFill>
+                  <a:schemeClr val="tx1">
+                    <a:lumMod val="65000"/>
+                    <a:lumOff val="35000"/>
+                  </a:schemeClr>
+                </a:solidFill>
+                <a:latin typeface="+mn-lt"/>
+                <a:ea typeface="+mn-ea"/>
+                <a:cs typeface="+mn-cs"/>
+              </a:rPr>
+              <a:t>mybatis</a:t>
+            </a:r>
+            <a:r>
+              <a:rPr lang="zh-CN" altLang="en-US" sz="1800" dirty="0">
+                <a:solidFill>
+                  <a:schemeClr val="tx1">
+                    <a:lumMod val="65000"/>
+                    <a:lumOff val="35000"/>
+                  </a:schemeClr>
+                </a:solidFill>
+                <a:latin typeface="+mn-lt"/>
+                <a:ea typeface="+mn-ea"/>
+                <a:cs typeface="+mn-cs"/>
+              </a:rPr>
+              <a:t>执行数据库操作流程如下</a:t>
+            </a:r>
+            <a:r>
+              <a:rPr lang="en-US" altLang="zh-CN" sz="1800" dirty="0">
+                <a:solidFill>
+                  <a:schemeClr val="tx1">
+                    <a:lumMod val="65000"/>
+                    <a:lumOff val="35000"/>
+                  </a:schemeClr>
+                </a:solidFill>
+                <a:latin typeface="+mn-lt"/>
+                <a:ea typeface="+mn-ea"/>
+                <a:cs typeface="+mn-cs"/>
+              </a:rPr>
+              <a:t>:</a:t>
+            </a:r>
+            <a:endParaRPr lang="en-US" altLang="zh-CN" sz="1800" dirty="0">
+              <a:solidFill>
+                <a:schemeClr val="tx1">
+                  <a:lumMod val="65000"/>
+                  <a:lumOff val="35000"/>
+                </a:schemeClr>
+              </a:solidFill>
+              <a:latin typeface="+mn-lt"/>
+              <a:ea typeface="+mn-ea"/>
+              <a:cs typeface="+mn-cs"/>
+            </a:endParaRPr>
+          </a:p>
+          <a:p>
+            <a:pPr algn="l"/>
+            <a:r>
+              <a:rPr lang="en-US" altLang="zh-CN" sz="1800" dirty="0">
+                <a:solidFill>
+                  <a:schemeClr val="tx1">
+                    <a:lumMod val="65000"/>
+                    <a:lumOff val="35000"/>
+                  </a:schemeClr>
+                </a:solidFill>
+                <a:latin typeface="+mn-lt"/>
+                <a:ea typeface="+mn-ea"/>
+                <a:cs typeface="+mn-cs"/>
+              </a:rPr>
+              <a:t>1. mybatis</a:t>
+            </a:r>
+            <a:r>
+              <a:rPr lang="zh-CN" altLang="en-US" sz="1800" dirty="0">
+                <a:solidFill>
+                  <a:schemeClr val="tx1">
+                    <a:lumMod val="65000"/>
+                    <a:lumOff val="35000"/>
+                  </a:schemeClr>
+                </a:solidFill>
+                <a:latin typeface="+mn-lt"/>
+                <a:ea typeface="+mn-ea"/>
+                <a:cs typeface="+mn-cs"/>
+              </a:rPr>
+              <a:t>首先加载配置文件</a:t>
+            </a:r>
+            <a:endParaRPr lang="zh-CN" altLang="en-US" sz="1800" dirty="0">
+              <a:solidFill>
+                <a:schemeClr val="tx1">
+                  <a:lumMod val="65000"/>
+                  <a:lumOff val="35000"/>
+                </a:schemeClr>
+              </a:solidFill>
+              <a:latin typeface="+mn-lt"/>
+              <a:ea typeface="+mn-ea"/>
+              <a:cs typeface="+mn-cs"/>
+            </a:endParaRPr>
+          </a:p>
+          <a:p>
+            <a:pPr algn="l"/>
+            <a:r>
+              <a:rPr lang="en-US" altLang="zh-CN" sz="1800" dirty="0">
+                <a:solidFill>
+                  <a:schemeClr val="tx1">
+                    <a:lumMod val="65000"/>
+                    <a:lumOff val="35000"/>
+                  </a:schemeClr>
+                </a:solidFill>
+                <a:latin typeface="+mn-lt"/>
+                <a:ea typeface="+mn-ea"/>
+                <a:cs typeface="+mn-cs"/>
+              </a:rPr>
+              <a:t>2. </a:t>
+            </a:r>
+            <a:r>
+              <a:rPr lang="zh-CN" altLang="en-US" sz="1800" dirty="0">
+                <a:solidFill>
+                  <a:schemeClr val="tx1">
+                    <a:lumMod val="65000"/>
+                    <a:lumOff val="35000"/>
+                  </a:schemeClr>
+                </a:solidFill>
+                <a:latin typeface="+mn-lt"/>
+                <a:ea typeface="+mn-ea"/>
+                <a:cs typeface="+mn-cs"/>
+              </a:rPr>
+              <a:t>通过</a:t>
+            </a:r>
+            <a:r>
+              <a:rPr lang="en-US" altLang="zh-CN" sz="1800" dirty="0">
+                <a:solidFill>
+                  <a:schemeClr val="tx1">
+                    <a:lumMod val="65000"/>
+                    <a:lumOff val="35000"/>
+                  </a:schemeClr>
+                </a:solidFill>
+                <a:latin typeface="+mn-lt"/>
+                <a:ea typeface="+mn-ea"/>
+                <a:cs typeface="+mn-cs"/>
+              </a:rPr>
+              <a:t>SqlSessionFactoryBuilder</a:t>
+            </a:r>
+            <a:r>
+              <a:rPr lang="zh-CN" altLang="en-US" sz="1800" dirty="0">
+                <a:solidFill>
+                  <a:schemeClr val="tx1">
+                    <a:lumMod val="65000"/>
+                    <a:lumOff val="35000"/>
+                  </a:schemeClr>
+                </a:solidFill>
+                <a:latin typeface="+mn-lt"/>
+                <a:ea typeface="+mn-ea"/>
+                <a:cs typeface="+mn-cs"/>
+              </a:rPr>
+              <a:t>创建</a:t>
+            </a:r>
+            <a:r>
+              <a:rPr lang="en-US" altLang="zh-CN" sz="1800" dirty="0">
+                <a:solidFill>
+                  <a:schemeClr val="tx1">
+                    <a:lumMod val="65000"/>
+                    <a:lumOff val="35000"/>
+                  </a:schemeClr>
+                </a:solidFill>
+                <a:latin typeface="+mn-lt"/>
+                <a:ea typeface="+mn-ea"/>
+                <a:cs typeface="+mn-cs"/>
+              </a:rPr>
+              <a:t>SqlSessionFactory</a:t>
+            </a:r>
+            <a:r>
+              <a:rPr lang="zh-CN" altLang="en-US" sz="1800" dirty="0">
+                <a:solidFill>
+                  <a:schemeClr val="tx1">
+                    <a:lumMod val="65000"/>
+                    <a:lumOff val="35000"/>
+                  </a:schemeClr>
+                </a:solidFill>
+                <a:latin typeface="+mn-lt"/>
+                <a:ea typeface="+mn-ea"/>
+                <a:cs typeface="+mn-cs"/>
+              </a:rPr>
+              <a:t>对象</a:t>
+            </a:r>
+            <a:endParaRPr lang="zh-CN" altLang="en-US" sz="1800" dirty="0">
+              <a:solidFill>
+                <a:schemeClr val="tx1">
+                  <a:lumMod val="65000"/>
+                  <a:lumOff val="35000"/>
+                </a:schemeClr>
+              </a:solidFill>
+              <a:latin typeface="+mn-lt"/>
+              <a:ea typeface="+mn-ea"/>
+              <a:cs typeface="+mn-cs"/>
+            </a:endParaRPr>
+          </a:p>
+          <a:p>
+            <a:pPr algn="l"/>
+            <a:r>
+              <a:rPr lang="en-US" altLang="zh-CN" sz="1800" dirty="0">
+                <a:solidFill>
+                  <a:schemeClr val="tx1">
+                    <a:lumMod val="65000"/>
+                    <a:lumOff val="35000"/>
+                  </a:schemeClr>
+                </a:solidFill>
+                <a:latin typeface="+mn-lt"/>
+                <a:ea typeface="+mn-ea"/>
+                <a:cs typeface="+mn-cs"/>
+              </a:rPr>
+              <a:t>3. </a:t>
+            </a:r>
+            <a:r>
+              <a:rPr lang="zh-CN" altLang="en-US" sz="1800" dirty="0">
+                <a:solidFill>
+                  <a:schemeClr val="tx1">
+                    <a:lumMod val="65000"/>
+                    <a:lumOff val="35000"/>
+                  </a:schemeClr>
+                </a:solidFill>
+                <a:latin typeface="+mn-lt"/>
+                <a:ea typeface="+mn-ea"/>
+                <a:cs typeface="+mn-cs"/>
+              </a:rPr>
+              <a:t>通过</a:t>
+            </a:r>
+            <a:r>
+              <a:rPr lang="en-US" altLang="zh-CN" sz="1800" dirty="0">
+                <a:solidFill>
+                  <a:schemeClr val="tx1">
+                    <a:lumMod val="65000"/>
+                    <a:lumOff val="35000"/>
+                  </a:schemeClr>
+                </a:solidFill>
+                <a:latin typeface="+mn-lt"/>
+                <a:ea typeface="+mn-ea"/>
+                <a:cs typeface="+mn-cs"/>
+              </a:rPr>
+              <a:t>SqlSessionFactory</a:t>
+            </a:r>
+            <a:r>
+              <a:rPr lang="zh-CN" altLang="en-US" sz="1800" dirty="0">
+                <a:solidFill>
+                  <a:schemeClr val="tx1">
+                    <a:lumMod val="65000"/>
+                    <a:lumOff val="35000"/>
+                  </a:schemeClr>
+                </a:solidFill>
+                <a:latin typeface="+mn-lt"/>
+                <a:ea typeface="+mn-ea"/>
+                <a:cs typeface="+mn-cs"/>
+              </a:rPr>
+              <a:t>创建</a:t>
+            </a:r>
+            <a:r>
+              <a:rPr lang="en-US" altLang="zh-CN" sz="1800" dirty="0">
+                <a:solidFill>
+                  <a:schemeClr val="tx1">
+                    <a:lumMod val="65000"/>
+                    <a:lumOff val="35000"/>
+                  </a:schemeClr>
+                </a:solidFill>
+                <a:latin typeface="+mn-lt"/>
+                <a:ea typeface="+mn-ea"/>
+                <a:cs typeface="+mn-cs"/>
+              </a:rPr>
+              <a:t>SqlSession</a:t>
+            </a:r>
+            <a:r>
+              <a:rPr lang="zh-CN" altLang="en-US" sz="1800" dirty="0">
+                <a:solidFill>
+                  <a:schemeClr val="tx1">
+                    <a:lumMod val="65000"/>
+                    <a:lumOff val="35000"/>
+                  </a:schemeClr>
+                </a:solidFill>
+                <a:latin typeface="+mn-lt"/>
+                <a:ea typeface="+mn-ea"/>
+                <a:cs typeface="+mn-cs"/>
+              </a:rPr>
+              <a:t>对象</a:t>
+            </a:r>
+            <a:endParaRPr lang="zh-CN" altLang="en-US" sz="1800" dirty="0">
+              <a:solidFill>
+                <a:schemeClr val="tx1">
+                  <a:lumMod val="65000"/>
+                  <a:lumOff val="35000"/>
+                </a:schemeClr>
+              </a:solidFill>
+              <a:latin typeface="+mn-lt"/>
+              <a:ea typeface="+mn-ea"/>
+              <a:cs typeface="+mn-cs"/>
+            </a:endParaRPr>
+          </a:p>
+          <a:p>
+            <a:pPr algn="l"/>
+            <a:r>
+              <a:rPr lang="en-US" altLang="zh-CN" sz="1800" dirty="0">
+                <a:solidFill>
+                  <a:schemeClr val="tx1">
+                    <a:lumMod val="65000"/>
+                    <a:lumOff val="35000"/>
+                  </a:schemeClr>
+                </a:solidFill>
+                <a:latin typeface="+mn-lt"/>
+                <a:ea typeface="+mn-ea"/>
+                <a:cs typeface="+mn-cs"/>
+              </a:rPr>
+              <a:t>4. </a:t>
+            </a:r>
+            <a:r>
+              <a:rPr lang="zh-CN" altLang="en-US" sz="1800" dirty="0">
+                <a:solidFill>
+                  <a:schemeClr val="tx1">
+                    <a:lumMod val="65000"/>
+                    <a:lumOff val="35000"/>
+                  </a:schemeClr>
+                </a:solidFill>
+                <a:latin typeface="+mn-lt"/>
+                <a:ea typeface="+mn-ea"/>
+                <a:cs typeface="+mn-cs"/>
+              </a:rPr>
+              <a:t>通过</a:t>
+            </a:r>
+            <a:r>
+              <a:rPr lang="en-US" altLang="zh-CN" sz="1800" dirty="0">
+                <a:solidFill>
+                  <a:schemeClr val="tx1">
+                    <a:lumMod val="65000"/>
+                    <a:lumOff val="35000"/>
+                  </a:schemeClr>
+                </a:solidFill>
+                <a:latin typeface="+mn-lt"/>
+                <a:ea typeface="+mn-ea"/>
+                <a:cs typeface="+mn-cs"/>
+              </a:rPr>
+              <a:t>SqlSession</a:t>
+            </a:r>
+            <a:r>
+              <a:rPr lang="zh-CN" altLang="en-US" sz="1800" dirty="0">
+                <a:solidFill>
+                  <a:schemeClr val="tx1">
+                    <a:lumMod val="65000"/>
+                    <a:lumOff val="35000"/>
+                  </a:schemeClr>
+                </a:solidFill>
+                <a:latin typeface="+mn-lt"/>
+                <a:ea typeface="+mn-ea"/>
+                <a:cs typeface="+mn-cs"/>
+              </a:rPr>
+              <a:t>戳的</a:t>
+            </a:r>
+            <a:r>
+              <a:rPr lang="en-US" altLang="zh-CN" sz="1800" dirty="0">
+                <a:solidFill>
+                  <a:schemeClr val="tx1">
+                    <a:lumMod val="65000"/>
+                    <a:lumOff val="35000"/>
+                  </a:schemeClr>
+                </a:solidFill>
+                <a:latin typeface="+mn-lt"/>
+                <a:ea typeface="+mn-ea"/>
+                <a:cs typeface="+mn-cs"/>
+              </a:rPr>
+              <a:t>mapper</a:t>
+            </a:r>
+            <a:r>
+              <a:rPr lang="zh-CN" altLang="en-US" sz="1800" dirty="0">
+                <a:solidFill>
+                  <a:schemeClr val="tx1">
+                    <a:lumMod val="65000"/>
+                    <a:lumOff val="35000"/>
+                  </a:schemeClr>
+                </a:solidFill>
+                <a:latin typeface="+mn-lt"/>
+                <a:ea typeface="+mn-ea"/>
+                <a:cs typeface="+mn-cs"/>
+              </a:rPr>
+              <a:t>对象</a:t>
+            </a:r>
+            <a:endParaRPr lang="zh-CN" altLang="en-US" sz="1800" dirty="0">
+              <a:solidFill>
+                <a:schemeClr val="tx1">
+                  <a:lumMod val="65000"/>
+                  <a:lumOff val="35000"/>
+                </a:schemeClr>
+              </a:solidFill>
+              <a:latin typeface="+mn-lt"/>
+              <a:ea typeface="+mn-ea"/>
+              <a:cs typeface="+mn-cs"/>
+            </a:endParaRPr>
+          </a:p>
+          <a:p>
+            <a:pPr algn="l"/>
+            <a:r>
+              <a:rPr lang="en-US" altLang="zh-CN" sz="1800" dirty="0">
+                <a:solidFill>
+                  <a:schemeClr val="tx1">
+                    <a:lumMod val="65000"/>
+                    <a:lumOff val="35000"/>
+                  </a:schemeClr>
+                </a:solidFill>
+                <a:latin typeface="+mn-lt"/>
+                <a:ea typeface="+mn-ea"/>
+                <a:cs typeface="+mn-cs"/>
+              </a:rPr>
+              <a:t>5. </a:t>
+            </a:r>
+            <a:r>
+              <a:rPr lang="zh-CN" altLang="en-US" sz="1800" dirty="0">
+                <a:solidFill>
+                  <a:schemeClr val="tx1">
+                    <a:lumMod val="65000"/>
+                    <a:lumOff val="35000"/>
+                  </a:schemeClr>
+                </a:solidFill>
+                <a:latin typeface="+mn-lt"/>
+                <a:ea typeface="+mn-ea"/>
+                <a:cs typeface="+mn-cs"/>
+              </a:rPr>
+              <a:t>通过</a:t>
+            </a:r>
+            <a:r>
+              <a:rPr lang="en-US" altLang="zh-CN" sz="1800" dirty="0">
+                <a:solidFill>
+                  <a:schemeClr val="tx1">
+                    <a:lumMod val="65000"/>
+                    <a:lumOff val="35000"/>
+                  </a:schemeClr>
+                </a:solidFill>
+                <a:latin typeface="+mn-lt"/>
+                <a:ea typeface="+mn-ea"/>
+                <a:cs typeface="+mn-cs"/>
+              </a:rPr>
+              <a:t>mapper</a:t>
+            </a:r>
+            <a:r>
+              <a:rPr lang="zh-CN" altLang="en-US" sz="1800" dirty="0">
+                <a:solidFill>
+                  <a:schemeClr val="tx1">
+                    <a:lumMod val="65000"/>
+                    <a:lumOff val="35000"/>
+                  </a:schemeClr>
+                </a:solidFill>
+                <a:latin typeface="+mn-lt"/>
+                <a:ea typeface="+mn-ea"/>
+                <a:cs typeface="+mn-cs"/>
+              </a:rPr>
+              <a:t>对象执行对应数据的怎删改查操作</a:t>
+            </a:r>
+            <a:endParaRPr lang="zh-CN" altLang="en-US" sz="1800" dirty="0">
+              <a:solidFill>
+                <a:schemeClr val="tx1">
+                  <a:lumMod val="65000"/>
+                  <a:lumOff val="35000"/>
+                </a:schemeClr>
+              </a:solidFill>
+              <a:latin typeface="+mn-lt"/>
+              <a:ea typeface="+mn-ea"/>
+              <a:cs typeface="+mn-cs"/>
+            </a:endParaRPr>
+          </a:p>
+        </p:txBody>
+      </p:sp>
+    </p:spTree>
+  </p:cSld>
+  <p:clrMapOvr>
+    <a:masterClrMapping/>
+  </p:clrMapOvr>
+</p:sld>
+</file>
+
+<file path=ppt/slides/slide21.xml><?xml version="1.0" encoding="utf-8"?>
+<p:sld xmlns:a="http://schemas.openxmlformats.org/drawingml/2006/main" xmlns:r="http://schemas.openxmlformats.org/officeDocument/2006/relationships" xmlns:p="http://schemas.openxmlformats.org/presentationml/2006/main">
+  <p:cSld>
+    <p:spTree>
+      <p:nvGrpSpPr>
+        <p:cNvPr id="1" name=""/>
+        <p:cNvGrpSpPr/>
+        <p:nvPr/>
+      </p:nvGrpSpPr>
+      <p:grpSpPr/>
+      <p:sp>
+        <p:nvSpPr>
+          <p:cNvPr id="2" name="标题 1"/>
+          <p:cNvSpPr>
+            <a:spLocks noGrp="1"/>
+          </p:cNvSpPr>
+          <p:nvPr>
+            <p:ph type="title"/>
+          </p:nvPr>
+        </p:nvSpPr>
+        <p:spPr>
+          <a:xfrm>
+            <a:off x="7701915" y="1566545"/>
+            <a:ext cx="4152900" cy="4506595"/>
+          </a:xfrm>
+        </p:spPr>
+        <p:txBody>
+          <a:bodyPr>
+            <a:normAutofit fontScale="90000"/>
+          </a:bodyPr>
+          <a:p>
+            <a:r>
+              <a:rPr lang="en-US" sz="2000"/>
+              <a:t>1. </a:t>
+            </a:r>
+            <a:r>
+              <a:rPr lang="zh-CN" altLang="en-US" sz="2000"/>
+              <a:t>应用接口调用</a:t>
+            </a:r>
+            <a:r>
+              <a:rPr lang="en-US" altLang="zh-CN" sz="2000"/>
+              <a:t>SqlSession</a:t>
+            </a:r>
+            <a:r>
+              <a:rPr lang="zh-CN" altLang="en-US" sz="2000"/>
+              <a:t>的</a:t>
+            </a:r>
+            <a:r>
+              <a:rPr lang="en-US" altLang="zh-CN" sz="2000"/>
+              <a:t>getMapper(clazz) </a:t>
+            </a:r>
+            <a:r>
+              <a:rPr lang="zh-CN" altLang="en-US" sz="2000"/>
+              <a:t>接口创建对象</a:t>
+            </a:r>
+            <a:br>
+              <a:rPr lang="zh-CN" altLang="en-US" sz="2000"/>
+            </a:br>
+            <a:r>
+              <a:rPr lang="en-US" altLang="zh-CN" sz="2000"/>
+              <a:t>2. SqlSession</a:t>
+            </a:r>
+            <a:r>
+              <a:rPr lang="zh-CN" altLang="en-US" sz="2000"/>
+              <a:t>从全局配置</a:t>
+            </a:r>
+            <a:r>
+              <a:rPr lang="en-US" altLang="zh-CN" sz="2000"/>
+              <a:t>Configuration</a:t>
+            </a:r>
+            <a:r>
+              <a:rPr lang="zh-CN" altLang="en-US" sz="2000"/>
+              <a:t>中</a:t>
+            </a:r>
+            <a:r>
+              <a:rPr lang="en-US" altLang="zh-CN" sz="2000"/>
+              <a:t>, </a:t>
+            </a:r>
+            <a:r>
+              <a:rPr lang="zh-CN" altLang="en-US" sz="2000"/>
+              <a:t>通过</a:t>
+            </a:r>
+            <a:r>
+              <a:rPr lang="en-US" altLang="zh-CN" sz="2000"/>
+              <a:t>getMapper(clazz, sqlSession)</a:t>
+            </a:r>
+            <a:r>
+              <a:rPr lang="zh-CN" altLang="en-US" sz="2000"/>
+              <a:t>创建指定对象</a:t>
+            </a:r>
+            <a:br>
+              <a:rPr lang="zh-CN" altLang="en-US" sz="2000"/>
+            </a:br>
+            <a:r>
+              <a:rPr lang="en-US" altLang="zh-CN" sz="2000"/>
+              <a:t>3. </a:t>
+            </a:r>
+            <a:r>
+              <a:rPr lang="zh-CN" altLang="en-US" sz="2000"/>
+              <a:t>通过</a:t>
+            </a:r>
+            <a:r>
+              <a:rPr lang="en-US" altLang="zh-CN" sz="2000"/>
+              <a:t>MapperRegistry</a:t>
+            </a:r>
+            <a:r>
+              <a:rPr lang="zh-CN" altLang="en-US" sz="2000"/>
+              <a:t>的</a:t>
+            </a:r>
+            <a:r>
+              <a:rPr lang="en-US" altLang="zh-CN" sz="2000"/>
+              <a:t>newInstance(sqlSession)</a:t>
+            </a:r>
+            <a:r>
+              <a:rPr lang="zh-CN" altLang="en-US" sz="2000"/>
+              <a:t>创建指定对象</a:t>
+            </a:r>
+            <a:br>
+              <a:rPr lang="zh-CN" altLang="en-US" sz="2000"/>
+            </a:br>
+            <a:r>
+              <a:rPr lang="en-US" altLang="zh-CN" sz="2000"/>
+              <a:t>4. </a:t>
+            </a:r>
+            <a:r>
+              <a:rPr lang="zh-CN" altLang="en-US" sz="2000"/>
+              <a:t>通过</a:t>
+            </a:r>
+            <a:r>
+              <a:rPr lang="en-US" altLang="zh-CN" sz="2000"/>
+              <a:t>MapperProxyFactory</a:t>
+            </a:r>
+            <a:r>
+              <a:rPr lang="zh-CN" altLang="en-US" sz="2000"/>
+              <a:t>的</a:t>
+            </a:r>
+            <a:r>
+              <a:rPr lang="en-US" altLang="zh-CN" sz="2000"/>
+              <a:t>newProxyInstance(classLoader,clazz[], handler)</a:t>
+            </a:r>
+            <a:r>
+              <a:rPr lang="zh-CN" altLang="en-US" sz="2000"/>
+              <a:t>创建代理对象</a:t>
+            </a:r>
+            <a:r>
+              <a:rPr lang="en-US" altLang="zh-CN" sz="2000"/>
+              <a:t>(</a:t>
+            </a:r>
+            <a:r>
+              <a:rPr lang="zh-CN" altLang="en-US" sz="2000"/>
+              <a:t>默认通过</a:t>
+            </a:r>
+            <a:r>
+              <a:rPr lang="en-US" altLang="zh-CN" sz="2000"/>
+              <a:t>JavaAssist</a:t>
+            </a:r>
+            <a:r>
+              <a:rPr lang="zh-CN" altLang="en-US" sz="2000"/>
+              <a:t>方式</a:t>
+            </a:r>
+            <a:r>
+              <a:rPr lang="en-US" altLang="zh-CN" sz="2000"/>
+              <a:t>)</a:t>
+            </a:r>
+            <a:br>
+              <a:rPr lang="en-US" altLang="zh-CN" sz="2000"/>
+            </a:br>
+            <a:r>
+              <a:rPr lang="en-US" altLang="zh-CN" sz="2000"/>
+              <a:t>5. </a:t>
+            </a:r>
+            <a:r>
+              <a:rPr lang="zh-CN" altLang="en-US" sz="2000"/>
+              <a:t>逐步返回创建的指定类的对象</a:t>
+            </a:r>
+            <a:r>
+              <a:rPr lang="en-US" altLang="zh-CN" sz="2000"/>
+              <a:t>Object</a:t>
+            </a:r>
+            <a:endParaRPr lang="en-US" altLang="zh-CN" sz="2000"/>
+          </a:p>
+        </p:txBody>
+      </p:sp>
+      <p:pic>
+        <p:nvPicPr>
+          <p:cNvPr id="4" name="内容占位符 3"/>
+          <p:cNvPicPr>
+            <a:picLocks noChangeAspect="1"/>
+          </p:cNvPicPr>
+          <p:nvPr>
+            <p:ph idx="1"/>
+          </p:nvPr>
+        </p:nvPicPr>
+        <p:blipFill>
+          <a:blip r:embed="rId1"/>
+          <a:stretch>
+            <a:fillRect/>
+          </a:stretch>
+        </p:blipFill>
+        <p:spPr>
+          <a:xfrm>
+            <a:off x="1053465" y="1327785"/>
+            <a:ext cx="6437630" cy="4963795"/>
+          </a:xfrm>
+          <a:prstGeom prst="rect">
+            <a:avLst/>
+          </a:prstGeom>
+        </p:spPr>
+      </p:pic>
+      <p:sp>
+        <p:nvSpPr>
+          <p:cNvPr id="5" name="标题 1"/>
+          <p:cNvSpPr>
+            <a:spLocks noGrp="1"/>
+          </p:cNvSpPr>
+          <p:nvPr/>
+        </p:nvSpPr>
+        <p:spPr>
+          <a:xfrm>
+            <a:off x="1680210" y="607060"/>
+            <a:ext cx="8911590" cy="847725"/>
+          </a:xfrm>
+          <a:prstGeom prst="rect">
+            <a:avLst/>
+          </a:prstGeom>
+        </p:spPr>
+        <p:txBody>
+          <a:bodyPr vert="horz" lIns="91440" tIns="45720" rIns="91440" bIns="45720" rtlCol="0" anchor="t">
+            <a:normAutofit/>
+          </a:bodyPr>
+          <a:lstStyle>
+            <a:lvl1pPr algn="l" defTabSz="457200" rtl="0" eaLnBrk="1" latinLnBrk="0" hangingPunct="1">
+              <a:spcBef>
+                <a:spcPct val="0"/>
+              </a:spcBef>
+              <a:buNone/>
+              <a:defRPr sz="3600" kern="1200">
+                <a:solidFill>
+                  <a:schemeClr val="tx1">
+                    <a:lumMod val="85000"/>
+                    <a:lumOff val="15000"/>
+                  </a:schemeClr>
+                </a:solidFill>
+                <a:latin typeface="+mj-lt"/>
+                <a:ea typeface="+mj-ea"/>
+                <a:cs typeface="+mj-cs"/>
+              </a:defRPr>
+            </a:lvl1pPr>
+            <a:lvl2pPr eaLnBrk="1" hangingPunct="1">
+              <a:defRPr>
+                <a:solidFill>
+                  <a:schemeClr val="tx2"/>
+                </a:solidFill>
+              </a:defRPr>
+            </a:lvl2pPr>
+            <a:lvl3pPr eaLnBrk="1" hangingPunct="1">
+              <a:defRPr>
+                <a:solidFill>
+                  <a:schemeClr val="tx2"/>
+                </a:solidFill>
+              </a:defRPr>
+            </a:lvl3pPr>
+            <a:lvl4pPr eaLnBrk="1" hangingPunct="1">
+              <a:defRPr>
+                <a:solidFill>
+                  <a:schemeClr val="tx2"/>
+                </a:solidFill>
+              </a:defRPr>
+            </a:lvl4pPr>
+            <a:lvl5pPr eaLnBrk="1" hangingPunct="1">
+              <a:defRPr>
+                <a:solidFill>
+                  <a:schemeClr val="tx2"/>
+                </a:solidFill>
+              </a:defRPr>
+            </a:lvl5pPr>
+            <a:lvl6pPr eaLnBrk="1" hangingPunct="1">
+              <a:defRPr>
+                <a:solidFill>
+                  <a:schemeClr val="tx2"/>
+                </a:solidFill>
+              </a:defRPr>
+            </a:lvl6pPr>
+            <a:lvl7pPr eaLnBrk="1" hangingPunct="1">
+              <a:defRPr>
+                <a:solidFill>
+                  <a:schemeClr val="tx2"/>
+                </a:solidFill>
+              </a:defRPr>
+            </a:lvl7pPr>
+            <a:lvl8pPr eaLnBrk="1" hangingPunct="1">
+              <a:defRPr>
+                <a:solidFill>
+                  <a:schemeClr val="tx2"/>
+                </a:solidFill>
+              </a:defRPr>
+            </a:lvl8pPr>
+            <a:lvl9pPr eaLnBrk="1" hangingPunct="1">
+              <a:defRPr>
+                <a:solidFill>
+                  <a:schemeClr val="tx2"/>
+                </a:solidFill>
+              </a:defRPr>
+            </a:lvl9pPr>
+          </a:lstStyle>
+          <a:p>
+            <a:r>
+              <a:rPr lang="en-US" altLang="zh-CN" sz="2800"/>
+              <a:t>SqlSession</a:t>
+            </a:r>
+            <a:r>
+              <a:rPr lang="zh-CN" altLang="en-US" sz="2800"/>
+              <a:t>通过</a:t>
+            </a:r>
+            <a:r>
+              <a:rPr lang="en-US" altLang="zh-CN" sz="2800"/>
+              <a:t>getMapper()</a:t>
+            </a:r>
+            <a:r>
+              <a:rPr lang="zh-CN" altLang="en-US" sz="2800"/>
+              <a:t>获得指定对象的调用链路</a:t>
+            </a:r>
+            <a:endParaRPr lang="zh-CN" altLang="en-US" sz="2800"/>
+          </a:p>
+        </p:txBody>
+      </p:sp>
+    </p:spTree>
+  </p:cSld>
+  <p:clrMapOvr>
+    <a:masterClrMapping/>
+  </p:clrMapOvr>
+</p:sld>
+</file>
+
+<file path=ppt/slides/slide22.xml><?xml version="1.0" encoding="utf-8"?>
+<p:sld xmlns:a="http://schemas.openxmlformats.org/drawingml/2006/main" xmlns:r="http://schemas.openxmlformats.org/officeDocument/2006/relationships" xmlns:p="http://schemas.openxmlformats.org/presentationml/2006/main">
+  <p:cSld>
+    <p:spTree>
+      <p:nvGrpSpPr>
+        <p:cNvPr id="1" name=""/>
+        <p:cNvGrpSpPr/>
+        <p:nvPr/>
+      </p:nvGrpSpPr>
+      <p:grpSpPr>
+        <a:xfrm>
+          <a:off x="0" y="0"/>
+          <a:ext cx="0" cy="0"/>
+          <a:chOff x="0" y="0"/>
+          <a:chExt cx="0" cy="0"/>
+        </a:xfrm>
+      </p:grpSpPr>
+      <p:sp>
+        <p:nvSpPr>
           <p:cNvPr id="4" name="标题 1"/>
           <p:cNvSpPr>
             <a:spLocks noGrp="1"/>
@@ -17762,7 +18962,7 @@
 </p:sld>
 </file>
 
-<file path=ppt/slides/slide21.xml><?xml version="1.0" encoding="utf-8"?>
+<file path=ppt/slides/slide23.xml><?xml version="1.0" encoding="utf-8"?>
 <p:sld xmlns:a="http://schemas.openxmlformats.org/drawingml/2006/main" xmlns:r="http://schemas.openxmlformats.org/officeDocument/2006/relationships" xmlns:p="http://schemas.openxmlformats.org/presentationml/2006/main">
   <p:cSld>
     <p:spTree>
@@ -18293,7 +19493,7 @@
 </p:sld>
 </file>
 
-<file path=ppt/slides/slide22.xml><?xml version="1.0" encoding="utf-8"?>
+<file path=ppt/slides/slide24.xml><?xml version="1.0" encoding="utf-8"?>
 <p:sld xmlns:a="http://schemas.openxmlformats.org/drawingml/2006/main" xmlns:r="http://schemas.openxmlformats.org/officeDocument/2006/relationships" xmlns:p="http://schemas.openxmlformats.org/presentationml/2006/main">
   <p:cSld>
     <p:spTree>
